--- a/2025上自主学习/Tree&DP-wjh.pptx
+++ b/2025上自主学习/Tree&DP-wjh.pptx
@@ -5204,9 +5204,14 @@
   <p:cSld>
     <p:bg>
       <p:bgPr>
-        <a:solidFill>
-          <a:schemeClr val="bg1"/>
-        </a:solidFill>
+        <a:blipFill rotWithShape="0">
+          <a:blip r:embed="rId11">
+            <a:alphaModFix amt="60000"/>
+          </a:blip>
+          <a:stretch>
+            <a:fillRect/>
+          </a:stretch>
+        </a:blipFill>
         <a:effectLst/>
       </p:bgPr>
     </p:bg>
@@ -5489,7 +5494,7 @@
         <a:spcBef>
           <a:spcPts val="1000"/>
         </a:spcBef>
-        <a:buFont typeface="Arial" panose="02080604020202020204" pitchFamily="34" charset="0"/>
+        <a:buFont typeface="Arial" panose="020B0604020202020204" pitchFamily="34" charset="0"/>
         <a:buChar char="•"/>
         <a:defRPr sz="2400" kern="1200">
           <a:solidFill>
@@ -5507,7 +5512,7 @@
         <a:spcBef>
           <a:spcPts val="500"/>
         </a:spcBef>
-        <a:buFont typeface="Arial" panose="02080604020202020204" pitchFamily="34" charset="0"/>
+        <a:buFont typeface="Arial" panose="020B0604020202020204" pitchFamily="34" charset="0"/>
         <a:buChar char="•"/>
         <a:defRPr sz="2000" kern="1200">
           <a:solidFill>
@@ -5525,7 +5530,7 @@
         <a:spcBef>
           <a:spcPts val="500"/>
         </a:spcBef>
-        <a:buFont typeface="Arial" panose="02080604020202020204" pitchFamily="34" charset="0"/>
+        <a:buFont typeface="Arial" panose="020B0604020202020204" pitchFamily="34" charset="0"/>
         <a:buChar char="•"/>
         <a:defRPr sz="1800" kern="1200">
           <a:solidFill>
@@ -5543,7 +5548,7 @@
         <a:spcBef>
           <a:spcPts val="500"/>
         </a:spcBef>
-        <a:buFont typeface="Arial" panose="02080604020202020204" pitchFamily="34" charset="0"/>
+        <a:buFont typeface="Arial" panose="020B0604020202020204" pitchFamily="34" charset="0"/>
         <a:buChar char="•"/>
         <a:defRPr sz="1800" kern="1200">
           <a:solidFill>
@@ -5561,7 +5566,7 @@
         <a:spcBef>
           <a:spcPts val="500"/>
         </a:spcBef>
-        <a:buFont typeface="Arial" panose="02080604020202020204" pitchFamily="34" charset="0"/>
+        <a:buFont typeface="Arial" panose="020B0604020202020204" pitchFamily="34" charset="0"/>
         <a:buChar char="•"/>
         <a:defRPr sz="1800" kern="1200">
           <a:solidFill>
@@ -5579,7 +5584,7 @@
         <a:spcBef>
           <a:spcPts val="500"/>
         </a:spcBef>
-        <a:buFont typeface="Arial" panose="02080604020202020204" pitchFamily="34" charset="0"/>
+        <a:buFont typeface="Arial" panose="020B0604020202020204" pitchFamily="34" charset="0"/>
         <a:buChar char="•"/>
         <a:defRPr sz="1800" kern="1200">
           <a:solidFill>
@@ -5597,7 +5602,7 @@
         <a:spcBef>
           <a:spcPts val="500"/>
         </a:spcBef>
-        <a:buFont typeface="Arial" panose="02080604020202020204" pitchFamily="34" charset="0"/>
+        <a:buFont typeface="Arial" panose="020B0604020202020204" pitchFamily="34" charset="0"/>
         <a:buChar char="•"/>
         <a:defRPr sz="1800" kern="1200">
           <a:solidFill>
@@ -5615,7 +5620,7 @@
         <a:spcBef>
           <a:spcPts val="500"/>
         </a:spcBef>
-        <a:buFont typeface="Arial" panose="02080604020202020204" pitchFamily="34" charset="0"/>
+        <a:buFont typeface="Arial" panose="020B0604020202020204" pitchFamily="34" charset="0"/>
         <a:buChar char="•"/>
         <a:defRPr sz="1800" kern="1200">
           <a:solidFill>
@@ -5633,7 +5638,7 @@
         <a:spcBef>
           <a:spcPts val="500"/>
         </a:spcBef>
-        <a:buFont typeface="Arial" panose="02080604020202020204" pitchFamily="34" charset="0"/>
+        <a:buFont typeface="Arial" panose="020B0604020202020204" pitchFamily="34" charset="0"/>
         <a:buChar char="•"/>
         <a:defRPr sz="1800" kern="1200">
           <a:solidFill>
@@ -5749,9 +5754,14 @@
   <p:cSld>
     <p:bg>
       <p:bgPr>
-        <a:solidFill>
-          <a:schemeClr val="bg1"/>
-        </a:solidFill>
+        <a:blipFill rotWithShape="0">
+          <a:blip r:embed="rId11">
+            <a:alphaModFix amt="60000"/>
+          </a:blip>
+          <a:stretch>
+            <a:fillRect/>
+          </a:stretch>
+        </a:blipFill>
         <a:effectLst/>
       </p:bgPr>
     </p:bg>
@@ -6034,7 +6044,7 @@
         <a:spcBef>
           <a:spcPts val="1000"/>
         </a:spcBef>
-        <a:buFont typeface="Arial" panose="02080604020202020204" pitchFamily="34" charset="0"/>
+        <a:buFont typeface="Arial" panose="020B0604020202020204" pitchFamily="34" charset="0"/>
         <a:buChar char="•"/>
         <a:defRPr sz="2400" kern="1200">
           <a:solidFill>
@@ -6052,7 +6062,7 @@
         <a:spcBef>
           <a:spcPts val="500"/>
         </a:spcBef>
-        <a:buFont typeface="Arial" panose="02080604020202020204" pitchFamily="34" charset="0"/>
+        <a:buFont typeface="Arial" panose="020B0604020202020204" pitchFamily="34" charset="0"/>
         <a:buChar char="•"/>
         <a:defRPr sz="2000" kern="1200">
           <a:solidFill>
@@ -6070,7 +6080,7 @@
         <a:spcBef>
           <a:spcPts val="500"/>
         </a:spcBef>
-        <a:buFont typeface="Arial" panose="02080604020202020204" pitchFamily="34" charset="0"/>
+        <a:buFont typeface="Arial" panose="020B0604020202020204" pitchFamily="34" charset="0"/>
         <a:buChar char="•"/>
         <a:defRPr sz="1800" kern="1200">
           <a:solidFill>
@@ -6088,7 +6098,7 @@
         <a:spcBef>
           <a:spcPts val="500"/>
         </a:spcBef>
-        <a:buFont typeface="Arial" panose="02080604020202020204" pitchFamily="34" charset="0"/>
+        <a:buFont typeface="Arial" panose="020B0604020202020204" pitchFamily="34" charset="0"/>
         <a:buChar char="•"/>
         <a:defRPr sz="1800" kern="1200">
           <a:solidFill>
@@ -6106,7 +6116,7 @@
         <a:spcBef>
           <a:spcPts val="500"/>
         </a:spcBef>
-        <a:buFont typeface="Arial" panose="02080604020202020204" pitchFamily="34" charset="0"/>
+        <a:buFont typeface="Arial" panose="020B0604020202020204" pitchFamily="34" charset="0"/>
         <a:buChar char="•"/>
         <a:defRPr sz="1800" kern="1200">
           <a:solidFill>
@@ -6124,7 +6134,7 @@
         <a:spcBef>
           <a:spcPts val="500"/>
         </a:spcBef>
-        <a:buFont typeface="Arial" panose="02080604020202020204" pitchFamily="34" charset="0"/>
+        <a:buFont typeface="Arial" panose="020B0604020202020204" pitchFamily="34" charset="0"/>
         <a:buChar char="•"/>
         <a:defRPr sz="1800" kern="1200">
           <a:solidFill>
@@ -6142,7 +6152,7 @@
         <a:spcBef>
           <a:spcPts val="500"/>
         </a:spcBef>
-        <a:buFont typeface="Arial" panose="02080604020202020204" pitchFamily="34" charset="0"/>
+        <a:buFont typeface="Arial" panose="020B0604020202020204" pitchFamily="34" charset="0"/>
         <a:buChar char="•"/>
         <a:defRPr sz="1800" kern="1200">
           <a:solidFill>
@@ -6160,7 +6170,7 @@
         <a:spcBef>
           <a:spcPts val="500"/>
         </a:spcBef>
-        <a:buFont typeface="Arial" panose="02080604020202020204" pitchFamily="34" charset="0"/>
+        <a:buFont typeface="Arial" panose="020B0604020202020204" pitchFamily="34" charset="0"/>
         <a:buChar char="•"/>
         <a:defRPr sz="1800" kern="1200">
           <a:solidFill>
@@ -6178,7 +6188,7 @@
         <a:spcBef>
           <a:spcPts val="500"/>
         </a:spcBef>
-        <a:buFont typeface="Arial" panose="02080604020202020204" pitchFamily="34" charset="0"/>
+        <a:buFont typeface="Arial" panose="020B0604020202020204" pitchFamily="34" charset="0"/>
         <a:buChar char="•"/>
         <a:defRPr sz="1800" kern="1200">
           <a:solidFill>
@@ -6292,17 +6302,6 @@
 <file path=ppt/slides/slide1.xml><?xml version="1.0" encoding="utf-8"?>
 <p:sld xmlns:a="http://schemas.openxmlformats.org/drawingml/2006/main" xmlns:r="http://schemas.openxmlformats.org/officeDocument/2006/relationships" xmlns:p="http://schemas.openxmlformats.org/presentationml/2006/main">
   <p:cSld>
-    <p:bg>
-      <p:bgPr>
-        <a:blipFill rotWithShape="1">
-          <a:blip r:embed="rId1"/>
-          <a:stretch>
-            <a:fillRect/>
-          </a:stretch>
-        </a:blipFill>
-        <a:effectLst/>
-      </p:bgPr>
-    </p:bg>
     <p:spTree>
       <p:nvGrpSpPr>
         <p:cNvPr id="1" name=""/>
@@ -6335,7 +6334,7 @@
             <a:r>
               <a:rPr lang="zh-CN" altLang="en-US">
                 <a:solidFill>
-                  <a:srgbClr val="00B0F0"/>
+                  <a:schemeClr val="tx1"/>
                 </a:solidFill>
               </a:rPr>
               <a:t>树上问题</a:t>
@@ -6343,14 +6342,14 @@
             <a:r>
               <a:rPr lang="en-US" altLang="zh-CN">
                 <a:solidFill>
-                  <a:srgbClr val="00B0F0"/>
+                  <a:schemeClr val="tx1"/>
                 </a:solidFill>
               </a:rPr>
               <a:t> &amp; DP</a:t>
             </a:r>
             <a:endParaRPr lang="en-US" altLang="zh-CN">
               <a:solidFill>
-                <a:srgbClr val="00B0F0"/>
+                <a:schemeClr val="tx1"/>
               </a:solidFill>
             </a:endParaRPr>
           </a:p>
@@ -6379,17 +6378,6 @@
 <file path=ppt/slides/slide10.xml><?xml version="1.0" encoding="utf-8"?>
 <p:sld xmlns:a="http://schemas.openxmlformats.org/drawingml/2006/main" xmlns:r="http://schemas.openxmlformats.org/officeDocument/2006/relationships" xmlns:p="http://schemas.openxmlformats.org/presentationml/2006/main">
   <p:cSld>
-    <p:bg>
-      <p:bgPr>
-        <a:blipFill rotWithShape="1">
-          <a:blip r:embed="rId1"/>
-          <a:stretch>
-            <a:fillRect/>
-          </a:stretch>
-        </a:blipFill>
-        <a:effectLst/>
-      </p:bgPr>
-    </p:bg>
     <p:spTree>
       <p:nvGrpSpPr>
         <p:cNvPr id="1" name=""/>
@@ -6413,7 +6401,7 @@
           <a:p>
             <a:r>
               <a:rPr lang="zh-CN" altLang="en-US">
-                <a:hlinkClick r:id="rId2" action="ppaction://hlinkfile"/>
+                <a:hlinkClick r:id="rId1" action="ppaction://hlinkfile"/>
               </a:rPr>
               <a:t>ABC138F Coincidence</a:t>
             </a:r>
@@ -6443,7 +6431,7 @@
                 <a:r>
                   <a:rPr lang="en-US" altLang="zh-CN">
                     <a:solidFill>
-                      <a:srgbClr val="00B0F0"/>
+                      <a:schemeClr val="tx1"/>
                     </a:solidFill>
                     <a:latin typeface="DejaVu Math TeX Gyre" panose="02000503000000000000" charset="0"/>
                     <a:cs typeface="DejaVu Math TeX Gyre" panose="02000503000000000000" charset="0"/>
@@ -6453,7 +6441,7 @@
                 <a:r>
                   <a:rPr lang="zh-CN" altLang="en-US">
                     <a:solidFill>
-                      <a:srgbClr val="00B0F0"/>
+                      <a:schemeClr val="tx1"/>
                     </a:solidFill>
                     <a:latin typeface="DejaVu Math TeX Gyre" panose="02000503000000000000" charset="0"/>
                     <a:cs typeface="DejaVu Math TeX Gyre" panose="02000503000000000000" charset="0"/>
@@ -6465,7 +6453,7 @@
                     <m:r>
                       <a:rPr lang="en-US" altLang="zh-CN" i="1">
                         <a:solidFill>
-                          <a:srgbClr val="00B0F0"/>
+                          <a:schemeClr val="tx1"/>
                         </a:solidFill>
                         <a:latin typeface="DejaVu Math TeX Gyre" panose="02000503000000000000" charset="0"/>
                         <a:cs typeface="DejaVu Math TeX Gyre" panose="02000503000000000000" charset="0"/>
@@ -6475,7 +6463,7 @@
                     <m:r>
                       <a:rPr lang="en-US" altLang="zh-CN" i="1">
                         <a:solidFill>
-                          <a:srgbClr val="00B0F0"/>
+                          <a:schemeClr val="tx1"/>
                         </a:solidFill>
                         <a:latin typeface="DejaVu Math TeX Gyre" panose="02000503000000000000" charset="0"/>
                         <a:cs typeface="DejaVu Math TeX Gyre" panose="02000503000000000000" charset="0"/>
@@ -6487,7 +6475,7 @@
                         <m:ctrlPr>
                           <a:rPr lang="en-US" altLang="zh-CN">
                             <a:solidFill>
-                              <a:srgbClr val="00B0F0"/>
+                              <a:schemeClr val="tx1"/>
                             </a:solidFill>
                             <a:latin typeface="DejaVu Math TeX Gyre" panose="02000503000000000000" charset="0"/>
                             <a:cs typeface="DejaVu Math TeX Gyre" panose="02000503000000000000" charset="0"/>
@@ -6501,7 +6489,7 @@
                           </m:rPr>
                           <a:rPr lang="en-US" altLang="zh-CN">
                             <a:solidFill>
-                              <a:srgbClr val="00B0F0"/>
+                              <a:schemeClr val="tx1"/>
                             </a:solidFill>
                             <a:latin typeface="DejaVu Math TeX Gyre" panose="02000503000000000000" charset="0"/>
                             <a:cs typeface="DejaVu Math TeX Gyre" panose="02000503000000000000" charset="0"/>
@@ -6513,7 +6501,7 @@
                         <m:r>
                           <a:rPr lang="en-US" altLang="zh-CN" i="1">
                             <a:solidFill>
-                              <a:srgbClr val="00B0F0"/>
+                              <a:schemeClr val="tx1"/>
                             </a:solidFill>
                             <a:latin typeface="DejaVu Math TeX Gyre" panose="02000503000000000000" charset="0"/>
                             <a:cs typeface="DejaVu Math TeX Gyre" panose="02000503000000000000" charset="0"/>
@@ -6525,7 +6513,7 @@
                     <m:r>
                       <a:rPr lang="en-US" altLang="zh-CN" i="1">
                         <a:solidFill>
-                          <a:srgbClr val="00B0F0"/>
+                          <a:schemeClr val="tx1"/>
                         </a:solidFill>
                         <a:latin typeface="DejaVu Math TeX Gyre" panose="02000503000000000000" charset="0"/>
                         <a:cs typeface="DejaVu Math TeX Gyre" panose="02000503000000000000" charset="0"/>
@@ -6535,7 +6523,7 @@
                     <m:r>
                       <a:rPr lang="en-US" altLang="zh-CN" i="1">
                         <a:solidFill>
-                          <a:srgbClr val="00B0F0"/>
+                          <a:schemeClr val="tx1"/>
                         </a:solidFill>
                         <a:latin typeface="DejaVu Math TeX Gyre" panose="02000503000000000000" charset="0"/>
                         <a:cs typeface="DejaVu Math TeX Gyre" panose="02000503000000000000" charset="0"/>
@@ -6545,7 +6533,7 @@
                     <m:r>
                       <a:rPr lang="en-US" altLang="zh-CN" i="1">
                         <a:solidFill>
-                          <a:srgbClr val="00B0F0"/>
+                          <a:schemeClr val="tx1"/>
                         </a:solidFill>
                         <a:latin typeface="DejaVu Math TeX Gyre" panose="02000503000000000000" charset="0"/>
                         <a:cs typeface="DejaVu Math TeX Gyre" panose="02000503000000000000" charset="0"/>
@@ -6555,7 +6543,7 @@
                     <m:r>
                       <a:rPr lang="en-US" altLang="zh-CN" i="1">
                         <a:solidFill>
-                          <a:srgbClr val="00B0F0"/>
+                          <a:schemeClr val="tx1"/>
                         </a:solidFill>
                         <a:latin typeface="DejaVu Math TeX Gyre" panose="02000503000000000000" charset="0"/>
                         <a:cs typeface="DejaVu Math TeX Gyre" panose="02000503000000000000" charset="0"/>
@@ -6567,7 +6555,7 @@
                 <a:r>
                   <a:rPr lang="en-US" altLang="zh-CN">
                     <a:solidFill>
-                      <a:srgbClr val="00B0F0"/>
+                      <a:schemeClr val="tx1"/>
                     </a:solidFill>
                     <a:latin typeface="DejaVu Math TeX Gyre" panose="02000503000000000000" charset="0"/>
                     <a:cs typeface="DejaVu Math TeX Gyre" panose="02000503000000000000" charset="0"/>
@@ -6577,7 +6565,7 @@
                 <a:r>
                   <a:rPr lang="zh-CN" altLang="en-US">
                     <a:solidFill>
-                      <a:srgbClr val="00B0F0"/>
+                      <a:schemeClr val="tx1"/>
                     </a:solidFill>
                     <a:latin typeface="DejaVu Math TeX Gyre" panose="02000503000000000000" charset="0"/>
                     <a:cs typeface="DejaVu Math TeX Gyre" panose="02000503000000000000" charset="0"/>
@@ -6586,7 +6574,7 @@
                 </a:r>
                 <a:endParaRPr lang="zh-CN" altLang="en-US">
                   <a:solidFill>
-                    <a:srgbClr val="00B0F0"/>
+                    <a:schemeClr val="tx1"/>
                   </a:solidFill>
                   <a:latin typeface="DejaVu Math TeX Gyre" panose="02000503000000000000" charset="0"/>
                   <a:cs typeface="DejaVu Math TeX Gyre" panose="02000503000000000000" charset="0"/>
@@ -6598,7 +6586,7 @@
                 </a:pPr>
                 <a:endParaRPr lang="en-US" altLang="zh-CN">
                   <a:solidFill>
-                    <a:srgbClr val="00B0F0"/>
+                    <a:schemeClr val="tx1"/>
                   </a:solidFill>
                   <a:latin typeface="DejaVu Math TeX Gyre" panose="02000503000000000000" charset="0"/>
                   <a:cs typeface="DejaVu Math TeX Gyre" panose="02000503000000000000" charset="0"/>
@@ -6611,7 +6599,7 @@
                 <a:r>
                   <a:rPr lang="zh-CN" altLang="en-US">
                     <a:solidFill>
-                      <a:srgbClr val="00B0F0"/>
+                      <a:schemeClr val="tx1"/>
                     </a:solidFill>
                     <a:latin typeface="DejaVu Math TeX Gyre" panose="02000503000000000000" charset="0"/>
                     <a:cs typeface="DejaVu Math TeX Gyre" panose="02000503000000000000" charset="0"/>
@@ -6621,7 +6609,7 @@
                 <a:r>
                   <a:rPr lang="en-US" altLang="zh-CN">
                     <a:solidFill>
-                      <a:srgbClr val="00B0F0"/>
+                      <a:schemeClr val="tx1"/>
                     </a:solidFill>
                     <a:latin typeface="DejaVu Math TeX Gyre" panose="02000503000000000000" charset="0"/>
                     <a:cs typeface="DejaVu Math TeX Gyre" panose="02000503000000000000" charset="0"/>
@@ -6633,7 +6621,7 @@
                     <m:r>
                       <a:rPr lang="en-US" altLang="zh-CN" i="1">
                         <a:solidFill>
-                          <a:srgbClr val="00B0F0"/>
+                          <a:schemeClr val="tx1"/>
                         </a:solidFill>
                         <a:latin typeface="DejaVu Math TeX Gyre" panose="02000503000000000000" charset="0"/>
                         <a:cs typeface="DejaVu Math TeX Gyre" panose="02000503000000000000" charset="0"/>
@@ -6643,7 +6631,7 @@
                     <m:r>
                       <a:rPr lang="en-US" altLang="zh-CN" i="1">
                         <a:solidFill>
-                          <a:srgbClr val="00B0F0"/>
+                          <a:schemeClr val="tx1"/>
                         </a:solidFill>
                         <a:latin typeface="DejaVu Math TeX Gyre" panose="02000503000000000000" charset="0"/>
                         <a:cs typeface="DejaVu Math TeX Gyre" panose="02000503000000000000" charset="0"/>
@@ -6655,7 +6643,7 @@
                         <m:ctrlPr>
                           <a:rPr lang="en-US" altLang="zh-CN">
                             <a:solidFill>
-                              <a:srgbClr val="00B0F0"/>
+                              <a:schemeClr val="tx1"/>
                             </a:solidFill>
                             <a:latin typeface="DejaVu Math TeX Gyre" panose="02000503000000000000" charset="0"/>
                             <a:cs typeface="DejaVu Math TeX Gyre" panose="02000503000000000000" charset="0"/>
@@ -6669,7 +6657,7 @@
                           </m:rPr>
                           <a:rPr lang="en-US" altLang="zh-CN">
                             <a:solidFill>
-                              <a:srgbClr val="00B0F0"/>
+                              <a:schemeClr val="tx1"/>
                             </a:solidFill>
                             <a:latin typeface="DejaVu Math TeX Gyre" panose="02000503000000000000" charset="0"/>
                             <a:cs typeface="DejaVu Math TeX Gyre" panose="02000503000000000000" charset="0"/>
@@ -6681,7 +6669,7 @@
                         <m:r>
                           <a:rPr lang="en-US" altLang="zh-CN" i="1">
                             <a:solidFill>
-                              <a:srgbClr val="00B0F0"/>
+                              <a:schemeClr val="tx1"/>
                             </a:solidFill>
                             <a:latin typeface="DejaVu Math TeX Gyre" panose="02000503000000000000" charset="0"/>
                             <a:cs typeface="DejaVu Math TeX Gyre" panose="02000503000000000000" charset="0"/>
@@ -6693,7 +6681,7 @@
                     <m:r>
                       <a:rPr lang="en-US" altLang="zh-CN" i="1">
                         <a:solidFill>
-                          <a:srgbClr val="00B0F0"/>
+                          <a:schemeClr val="tx1"/>
                         </a:solidFill>
                         <a:latin typeface="DejaVu Math TeX Gyre" panose="02000503000000000000" charset="0"/>
                         <a:cs typeface="DejaVu Math TeX Gyre" panose="02000503000000000000" charset="0"/>
@@ -6703,7 +6691,7 @@
                     <m:r>
                       <a:rPr lang="en-US" altLang="zh-CN" i="1">
                         <a:solidFill>
-                          <a:srgbClr val="00B0F0"/>
+                          <a:schemeClr val="tx1"/>
                         </a:solidFill>
                         <a:latin typeface="DejaVu Math TeX Gyre" panose="02000503000000000000" charset="0"/>
                         <a:cs typeface="DejaVu Math TeX Gyre" panose="02000503000000000000" charset="0"/>
@@ -6713,7 +6701,7 @@
                     <m:r>
                       <a:rPr lang="en-US" altLang="zh-CN" i="1">
                         <a:solidFill>
-                          <a:srgbClr val="00B0F0"/>
+                          <a:schemeClr val="tx1"/>
                         </a:solidFill>
                         <a:latin typeface="DejaVu Math TeX Gyre" panose="02000503000000000000" charset="0"/>
                         <a:cs typeface="DejaVu Math TeX Gyre" panose="02000503000000000000" charset="0"/>
@@ -6723,7 +6711,7 @@
                     <m:r>
                       <a:rPr lang="en-US" altLang="zh-CN" i="1">
                         <a:solidFill>
-                          <a:srgbClr val="00B0F0"/>
+                          <a:schemeClr val="tx1"/>
                         </a:solidFill>
                         <a:latin typeface="DejaVu Math TeX Gyre" panose="02000503000000000000" charset="0"/>
                         <a:cs typeface="DejaVu Math TeX Gyre" panose="02000503000000000000" charset="0"/>
@@ -6733,7 +6721,7 @@
                     <m:r>
                       <a:rPr lang="en-US" altLang="zh-CN" i="1">
                         <a:solidFill>
-                          <a:srgbClr val="00B0F0"/>
+                          <a:schemeClr val="tx1"/>
                         </a:solidFill>
                         <a:latin typeface="DejaVu Math TeX Gyre" panose="02000503000000000000" charset="0"/>
                         <a:cs typeface="DejaVu Math TeX Gyre" panose="02000503000000000000" charset="0"/>
@@ -6743,7 +6731,7 @@
                     <m:r>
                       <a:rPr lang="en-US" altLang="zh-CN" i="1">
                         <a:solidFill>
-                          <a:srgbClr val="00B0F0"/>
+                          <a:schemeClr val="tx1"/>
                         </a:solidFill>
                         <a:latin typeface="DejaVu Math TeX Gyre" panose="02000503000000000000" charset="0"/>
                         <a:cs typeface="DejaVu Math TeX Gyre" panose="02000503000000000000" charset="0"/>
@@ -6753,7 +6741,7 @@
                     <m:r>
                       <a:rPr lang="en-US" altLang="zh-CN" i="1">
                         <a:solidFill>
-                          <a:srgbClr val="00B0F0"/>
+                          <a:schemeClr val="tx1"/>
                         </a:solidFill>
                         <a:latin typeface="DejaVu Math TeX Gyre" panose="02000503000000000000" charset="0"/>
                         <a:cs typeface="DejaVu Math TeX Gyre" panose="02000503000000000000" charset="0"/>
@@ -6763,7 +6751,7 @@
                     <m:r>
                       <a:rPr lang="en-US" altLang="zh-CN" i="1">
                         <a:solidFill>
-                          <a:srgbClr val="00B0F0"/>
+                          <a:schemeClr val="tx1"/>
                         </a:solidFill>
                         <a:latin typeface="DejaVu Math TeX Gyre" panose="02000503000000000000" charset="0"/>
                         <a:cs typeface="DejaVu Math TeX Gyre" panose="02000503000000000000" charset="0"/>
@@ -6775,7 +6763,7 @@
                 <a:r>
                   <a:rPr lang="zh-CN" altLang="en-US">
                     <a:solidFill>
-                      <a:srgbClr val="00B0F0"/>
+                      <a:schemeClr val="tx1"/>
                     </a:solidFill>
                     <a:latin typeface="DejaVu Math TeX Gyre" panose="02000503000000000000" charset="0"/>
                     <a:cs typeface="DejaVu Math TeX Gyre" panose="02000503000000000000" charset="0"/>
@@ -6785,7 +6773,7 @@
                 <a:r>
                   <a:rPr lang="en-US" altLang="zh-CN">
                     <a:solidFill>
-                      <a:srgbClr val="00B0F0"/>
+                      <a:schemeClr val="tx1"/>
                     </a:solidFill>
                     <a:latin typeface="DejaVu Math TeX Gyre" panose="02000503000000000000" charset="0"/>
                     <a:cs typeface="DejaVu Math TeX Gyre" panose="02000503000000000000" charset="0"/>
@@ -6797,7 +6785,7 @@
                     <m:r>
                       <a:rPr lang="en-US" altLang="zh-CN" i="1">
                         <a:solidFill>
-                          <a:srgbClr val="00B0F0"/>
+                          <a:schemeClr val="tx1"/>
                         </a:solidFill>
                         <a:latin typeface="DejaVu Math TeX Gyre" panose="02000503000000000000" charset="0"/>
                         <a:cs typeface="DejaVu Math TeX Gyre" panose="02000503000000000000" charset="0"/>
@@ -6807,7 +6795,7 @@
                     <m:r>
                       <a:rPr lang="en-US" altLang="zh-CN" i="1">
                         <a:solidFill>
-                          <a:srgbClr val="00B0F0"/>
+                          <a:schemeClr val="tx1"/>
                         </a:solidFill>
                         <a:latin typeface="DejaVu Math TeX Gyre" panose="02000503000000000000" charset="0"/>
                         <a:cs typeface="DejaVu Math TeX Gyre" panose="02000503000000000000" charset="0"/>
@@ -6817,7 +6805,7 @@
                     <m:r>
                       <a:rPr lang="en-US" altLang="zh-CN" i="1">
                         <a:solidFill>
-                          <a:srgbClr val="00B0F0"/>
+                          <a:schemeClr val="tx1"/>
                         </a:solidFill>
                         <a:latin typeface="DejaVu Math TeX Gyre" panose="02000503000000000000" charset="0"/>
                         <a:cs typeface="DejaVu Math TeX Gyre" panose="02000503000000000000" charset="0"/>
@@ -6827,7 +6815,7 @@
                     <m:r>
                       <a:rPr lang="en-US" altLang="zh-CN" i="1">
                         <a:solidFill>
-                          <a:srgbClr val="00B0F0"/>
+                          <a:schemeClr val="tx1"/>
                         </a:solidFill>
                         <a:latin typeface="DejaVu Math TeX Gyre" panose="02000503000000000000" charset="0"/>
                         <a:cs typeface="DejaVu Math TeX Gyre" panose="02000503000000000000" charset="0"/>
@@ -6837,7 +6825,7 @@
                     <m:r>
                       <a:rPr lang="en-US" altLang="zh-CN" i="1">
                         <a:solidFill>
-                          <a:srgbClr val="00B0F0"/>
+                          <a:schemeClr val="tx1"/>
                         </a:solidFill>
                         <a:latin typeface="DejaVu Math TeX Gyre" panose="02000503000000000000" charset="0"/>
                         <a:cs typeface="DejaVu Math TeX Gyre" panose="02000503000000000000" charset="0"/>
@@ -6847,7 +6835,7 @@
                     <m:r>
                       <a:rPr lang="en-US" altLang="zh-CN" i="1">
                         <a:solidFill>
-                          <a:srgbClr val="00B0F0"/>
+                          <a:schemeClr val="tx1"/>
                         </a:solidFill>
                         <a:latin typeface="DejaVu Math TeX Gyre" panose="02000503000000000000" charset="0"/>
                         <a:cs typeface="DejaVu Math TeX Gyre" panose="02000503000000000000" charset="0"/>
@@ -6859,7 +6847,7 @@
                 <a:r>
                   <a:rPr lang="en-US" altLang="zh-CN">
                     <a:solidFill>
-                      <a:srgbClr val="00B0F0"/>
+                      <a:schemeClr val="tx1"/>
                     </a:solidFill>
                     <a:latin typeface="DejaVu Math TeX Gyre" panose="02000503000000000000" charset="0"/>
                     <a:cs typeface="DejaVu Math TeX Gyre" panose="02000503000000000000" charset="0"/>
@@ -6869,7 +6857,7 @@
                 <a:r>
                   <a:rPr lang="zh-CN" altLang="en-US">
                     <a:solidFill>
-                      <a:srgbClr val="00B0F0"/>
+                      <a:schemeClr val="tx1"/>
                     </a:solidFill>
                     <a:latin typeface="DejaVu Math TeX Gyre" panose="02000503000000000000" charset="0"/>
                     <a:cs typeface="DejaVu Math TeX Gyre" panose="02000503000000000000" charset="0"/>
@@ -6879,7 +6867,7 @@
                 <a:r>
                   <a:rPr lang="en-US" altLang="zh-CN">
                     <a:solidFill>
-                      <a:srgbClr val="00B0F0"/>
+                      <a:schemeClr val="tx1"/>
                     </a:solidFill>
                     <a:latin typeface="DejaVu Math TeX Gyre" panose="02000503000000000000" charset="0"/>
                     <a:cs typeface="DejaVu Math TeX Gyre" panose="02000503000000000000" charset="0"/>
@@ -6889,7 +6877,7 @@
                 <a:r>
                   <a:rPr lang="zh-CN" altLang="en-US">
                     <a:solidFill>
-                      <a:srgbClr val="00B0F0"/>
+                      <a:schemeClr val="tx1"/>
                     </a:solidFill>
                     <a:latin typeface="DejaVu Math TeX Gyre" panose="02000503000000000000" charset="0"/>
                     <a:cs typeface="DejaVu Math TeX Gyre" panose="02000503000000000000" charset="0"/>
@@ -6899,7 +6887,7 @@
                 <a:r>
                   <a:rPr lang="en-US" altLang="zh-CN">
                     <a:solidFill>
-                      <a:srgbClr val="00B0F0"/>
+                      <a:schemeClr val="tx1"/>
                     </a:solidFill>
                     <a:latin typeface="DejaVu Math TeX Gyre" panose="02000503000000000000" charset="0"/>
                     <a:cs typeface="DejaVu Math TeX Gyre" panose="02000503000000000000" charset="0"/>
@@ -6909,7 +6897,7 @@
                 <a:r>
                   <a:rPr lang="zh-CN" altLang="en-US">
                     <a:solidFill>
-                      <a:srgbClr val="00B0F0"/>
+                      <a:schemeClr val="tx1"/>
                     </a:solidFill>
                     <a:latin typeface="DejaVu Math TeX Gyre" panose="02000503000000000000" charset="0"/>
                     <a:cs typeface="DejaVu Math TeX Gyre" panose="02000503000000000000" charset="0"/>
@@ -6919,7 +6907,7 @@
                 <a:r>
                   <a:rPr lang="en-US" altLang="zh-CN">
                     <a:solidFill>
-                      <a:srgbClr val="00B0F0"/>
+                      <a:schemeClr val="tx1"/>
                     </a:solidFill>
                     <a:latin typeface="DejaVu Math TeX Gyre" panose="02000503000000000000" charset="0"/>
                     <a:cs typeface="DejaVu Math TeX Gyre" panose="02000503000000000000" charset="0"/>
@@ -6929,7 +6917,7 @@
                 <a:r>
                   <a:rPr lang="zh-CN" altLang="en-US">
                     <a:solidFill>
-                      <a:srgbClr val="00B0F0"/>
+                      <a:schemeClr val="tx1"/>
                     </a:solidFill>
                     <a:latin typeface="DejaVu Math TeX Gyre" panose="02000503000000000000" charset="0"/>
                     <a:cs typeface="DejaVu Math TeX Gyre" panose="02000503000000000000" charset="0"/>
@@ -6939,7 +6927,7 @@
                 <a:r>
                   <a:rPr lang="en-US" altLang="zh-CN">
                     <a:solidFill>
-                      <a:srgbClr val="00B0F0"/>
+                      <a:schemeClr val="tx1"/>
                     </a:solidFill>
                     <a:latin typeface="DejaVu Math TeX Gyre" panose="02000503000000000000" charset="0"/>
                     <a:cs typeface="DejaVu Math TeX Gyre" panose="02000503000000000000" charset="0"/>
@@ -6949,7 +6937,7 @@
                 <a:r>
                   <a:rPr lang="zh-CN" altLang="en-US">
                     <a:solidFill>
-                      <a:srgbClr val="00B0F0"/>
+                      <a:schemeClr val="tx1"/>
                     </a:solidFill>
                     <a:latin typeface="DejaVu Math TeX Gyre" panose="02000503000000000000" charset="0"/>
                     <a:cs typeface="DejaVu Math TeX Gyre" panose="02000503000000000000" charset="0"/>
@@ -6958,7 +6946,7 @@
                 </a:r>
                 <a:endParaRPr lang="zh-CN" altLang="en-US">
                   <a:solidFill>
-                    <a:srgbClr val="00B0F0"/>
+                    <a:schemeClr val="tx1"/>
                   </a:solidFill>
                   <a:latin typeface="DejaVu Math TeX Gyre" panose="02000503000000000000" charset="0"/>
                   <a:cs typeface="DejaVu Math TeX Gyre" panose="02000503000000000000" charset="0"/>
@@ -6971,7 +6959,7 @@
                 <a:r>
                   <a:rPr lang="zh-CN" altLang="en-US">
                     <a:solidFill>
-                      <a:srgbClr val="00B0F0"/>
+                      <a:schemeClr val="tx1"/>
                     </a:solidFill>
                     <a:latin typeface="DejaVu Math TeX Gyre" panose="02000503000000000000" charset="0"/>
                     <a:cs typeface="DejaVu Math TeX Gyre" panose="02000503000000000000" charset="0"/>
@@ -6981,7 +6969,7 @@
                 <a:r>
                   <a:rPr lang="en-US" altLang="zh-CN">
                     <a:solidFill>
-                      <a:srgbClr val="00B0F0"/>
+                      <a:schemeClr val="tx1"/>
                     </a:solidFill>
                     <a:latin typeface="DejaVu Math TeX Gyre" panose="02000503000000000000" charset="0"/>
                     <a:cs typeface="DejaVu Math TeX Gyre" panose="02000503000000000000" charset="0"/>
@@ -6991,7 +6979,7 @@
                 <a:r>
                   <a:rPr lang="zh-CN" altLang="en-US">
                     <a:solidFill>
-                      <a:srgbClr val="00B0F0"/>
+                      <a:schemeClr val="tx1"/>
                     </a:solidFill>
                     <a:latin typeface="DejaVu Math TeX Gyre" panose="02000503000000000000" charset="0"/>
                     <a:cs typeface="DejaVu Math TeX Gyre" panose="02000503000000000000" charset="0"/>
@@ -7000,7 +6988,7 @@
                 </a:r>
                 <a:endParaRPr lang="zh-CN" altLang="en-US">
                   <a:solidFill>
-                    <a:srgbClr val="00B0F0"/>
+                    <a:schemeClr val="tx1"/>
                   </a:solidFill>
                   <a:latin typeface="DejaVu Math TeX Gyre" panose="02000503000000000000" charset="0"/>
                   <a:cs typeface="DejaVu Math TeX Gyre" panose="02000503000000000000" charset="0"/>
@@ -7022,7 +7010,7 @@
             </p:nvSpPr>
             <p:spPr>
               <a:blipFill rotWithShape="1">
-                <a:blip r:embed="rId3"/>
+                <a:blip r:embed="rId2"/>
                 <a:stretch>
                   <a:fillRect b="7"/>
                 </a:stretch>
@@ -7977,17 +7965,6 @@
 <file path=ppt/slides/slide11.xml><?xml version="1.0" encoding="utf-8"?>
 <p:sld xmlns:a="http://schemas.openxmlformats.org/drawingml/2006/main" xmlns:r="http://schemas.openxmlformats.org/officeDocument/2006/relationships" xmlns:p="http://schemas.openxmlformats.org/presentationml/2006/main">
   <p:cSld>
-    <p:bg>
-      <p:bgPr>
-        <a:blipFill rotWithShape="1">
-          <a:blip r:embed="rId1"/>
-          <a:stretch>
-            <a:fillRect/>
-          </a:stretch>
-        </a:blipFill>
-        <a:effectLst/>
-      </p:bgPr>
-    </p:bg>
     <p:spTree>
       <p:nvGrpSpPr>
         <p:cNvPr id="1" name=""/>
@@ -8011,7 +7988,7 @@
           <a:p>
             <a:r>
               <a:rPr lang="zh-CN" altLang="en-US">
-                <a:hlinkClick r:id="rId2" action="ppaction://hlinkfile"/>
+                <a:hlinkClick r:id="rId1" action="ppaction://hlinkfile"/>
               </a:rPr>
               <a:t>P5074 Eat the Trees</a:t>
             </a:r>
@@ -8039,7 +8016,7 @@
             <a:r>
               <a:rPr lang="zh-CN" altLang="en-US">
                 <a:solidFill>
-                  <a:srgbClr val="00B0F0"/>
+                  <a:schemeClr val="tx1"/>
                 </a:solidFill>
               </a:rPr>
               <a:t>插头</a:t>
@@ -8047,7 +8024,7 @@
             <a:r>
               <a:rPr lang="en-US" altLang="zh-CN">
                 <a:solidFill>
-                  <a:srgbClr val="00B0F0"/>
+                  <a:schemeClr val="tx1"/>
                 </a:solidFill>
               </a:rPr>
               <a:t>DP</a:t>
@@ -8055,14 +8032,14 @@
             <a:r>
               <a:rPr lang="zh-CN" altLang="en-US">
                 <a:solidFill>
-                  <a:srgbClr val="00B0F0"/>
+                  <a:schemeClr val="tx1"/>
                 </a:solidFill>
               </a:rPr>
               <a:t>模板题。</a:t>
             </a:r>
             <a:endParaRPr lang="zh-CN" altLang="en-US">
               <a:solidFill>
-                <a:srgbClr val="00B0F0"/>
+                <a:schemeClr val="tx1"/>
               </a:solidFill>
             </a:endParaRPr>
           </a:p>
@@ -8073,14 +8050,14 @@
             <a:r>
               <a:rPr lang="zh-CN" altLang="en-US">
                 <a:solidFill>
-                  <a:srgbClr val="00B0F0"/>
+                  <a:schemeClr val="tx1"/>
                 </a:solidFill>
               </a:rPr>
               <a:t>直接按格转移，然后看当前的轮廓线上插头的状态并转移即可。</a:t>
             </a:r>
             <a:endParaRPr lang="zh-CN" altLang="en-US">
               <a:solidFill>
-                <a:srgbClr val="00B0F0"/>
+                <a:schemeClr val="tx1"/>
               </a:solidFill>
             </a:endParaRPr>
           </a:p>
@@ -8091,7 +8068,7 @@
             <a:r>
               <a:rPr lang="en-US" altLang="zh-CN">
                 <a:solidFill>
-                  <a:srgbClr val="00B0F0"/>
+                  <a:schemeClr val="tx1"/>
                 </a:solidFill>
               </a:rPr>
               <a:t>1. </a:t>
@@ -8099,14 +8076,14 @@
             <a:r>
               <a:rPr lang="zh-CN" altLang="en-US">
                 <a:solidFill>
-                  <a:srgbClr val="00B0F0"/>
+                  <a:schemeClr val="tx1"/>
                 </a:solidFill>
               </a:rPr>
               <a:t>无插头：变成有两个插头。</a:t>
             </a:r>
             <a:endParaRPr lang="zh-CN" altLang="en-US">
               <a:solidFill>
-                <a:srgbClr val="00B0F0"/>
+                <a:schemeClr val="tx1"/>
               </a:solidFill>
             </a:endParaRPr>
           </a:p>
@@ -8117,7 +8094,7 @@
             <a:r>
               <a:rPr lang="en-US" altLang="zh-CN">
                 <a:solidFill>
-                  <a:srgbClr val="00B0F0"/>
+                  <a:schemeClr val="tx1"/>
                 </a:solidFill>
               </a:rPr>
               <a:t>2. </a:t>
@@ -8125,14 +8102,14 @@
             <a:r>
               <a:rPr lang="zh-CN" altLang="en-US">
                 <a:solidFill>
-                  <a:srgbClr val="00B0F0"/>
+                  <a:schemeClr val="tx1"/>
                 </a:solidFill>
               </a:rPr>
               <a:t>一个插头：还是一个插头，但是有两种方向，分别转移即可。</a:t>
             </a:r>
             <a:endParaRPr lang="zh-CN" altLang="en-US">
               <a:solidFill>
-                <a:srgbClr val="00B0F0"/>
+                <a:schemeClr val="tx1"/>
               </a:solidFill>
             </a:endParaRPr>
           </a:p>
@@ -8143,7 +8120,7 @@
             <a:r>
               <a:rPr lang="en-US" altLang="zh-CN">
                 <a:solidFill>
-                  <a:srgbClr val="00B0F0"/>
+                  <a:schemeClr val="tx1"/>
                 </a:solidFill>
               </a:rPr>
               <a:t>3. </a:t>
@@ -8151,14 +8128,14 @@
             <a:r>
               <a:rPr lang="zh-CN" altLang="en-US">
                 <a:solidFill>
-                  <a:srgbClr val="00B0F0"/>
+                  <a:schemeClr val="tx1"/>
                 </a:solidFill>
               </a:rPr>
               <a:t>两个插头：变成无插头。</a:t>
             </a:r>
             <a:endParaRPr lang="zh-CN" altLang="en-US">
               <a:solidFill>
-                <a:srgbClr val="00B0F0"/>
+                <a:schemeClr val="tx1"/>
               </a:solidFill>
             </a:endParaRPr>
           </a:p>
@@ -8720,17 +8697,6 @@
 <file path=ppt/slides/slide12.xml><?xml version="1.0" encoding="utf-8"?>
 <p:sld xmlns:a="http://schemas.openxmlformats.org/drawingml/2006/main" xmlns:r="http://schemas.openxmlformats.org/officeDocument/2006/relationships" xmlns:p="http://schemas.openxmlformats.org/presentationml/2006/main">
   <p:cSld>
-    <p:bg>
-      <p:bgPr>
-        <a:blipFill rotWithShape="1">
-          <a:blip r:embed="rId1"/>
-          <a:stretch>
-            <a:fillRect/>
-          </a:stretch>
-        </a:blipFill>
-        <a:effectLst/>
-      </p:bgPr>
-    </p:bg>
     <p:spTree>
       <p:nvGrpSpPr>
         <p:cNvPr id="1" name=""/>
@@ -8754,7 +8720,7 @@
           <a:p>
             <a:r>
               <a:rPr lang="zh-CN" altLang="en-US">
-                <a:hlinkClick r:id="rId2" action="ppaction://hlinkfile"/>
+                <a:hlinkClick r:id="rId1" action="ppaction://hlinkfile"/>
               </a:rPr>
               <a:t>P5056 插头 DP</a:t>
             </a:r>
@@ -8782,7 +8748,7 @@
             <a:r>
               <a:rPr lang="en-US" altLang="zh-CN">
                 <a:solidFill>
-                  <a:srgbClr val="00B0F0"/>
+                  <a:schemeClr val="tx1"/>
                 </a:solidFill>
               </a:rPr>
               <a:t>Hint1</a:t>
@@ -8790,14 +8756,14 @@
             <a:r>
               <a:rPr lang="zh-CN" altLang="en-US">
                 <a:solidFill>
-                  <a:srgbClr val="00B0F0"/>
+                  <a:schemeClr val="tx1"/>
                 </a:solidFill>
               </a:rPr>
               <a:t>：如何限制只有一个回路？</a:t>
             </a:r>
             <a:endParaRPr lang="zh-CN" altLang="en-US">
               <a:solidFill>
-                <a:srgbClr val="00B0F0"/>
+                <a:schemeClr val="tx1"/>
               </a:solidFill>
             </a:endParaRPr>
           </a:p>
@@ -8808,7 +8774,7 @@
             <a:r>
               <a:rPr lang="en-US" altLang="zh-CN">
                 <a:solidFill>
-                  <a:srgbClr val="00B0F0"/>
+                  <a:schemeClr val="tx1"/>
                 </a:solidFill>
               </a:rPr>
               <a:t>Hint2</a:t>
@@ -8816,14 +8782,14 @@
             <a:r>
               <a:rPr lang="zh-CN" altLang="en-US">
                 <a:solidFill>
-                  <a:srgbClr val="00B0F0"/>
+                  <a:schemeClr val="tx1"/>
                 </a:solidFill>
               </a:rPr>
               <a:t>：轮廓线和回路相交处有什么性质？</a:t>
             </a:r>
             <a:endParaRPr lang="zh-CN" altLang="en-US">
               <a:solidFill>
-                <a:srgbClr val="00B0F0"/>
+                <a:schemeClr val="tx1"/>
               </a:solidFill>
             </a:endParaRPr>
           </a:p>
@@ -8833,7 +8799,7 @@
             </a:pPr>
             <a:endParaRPr lang="zh-CN" altLang="en-US">
               <a:solidFill>
-                <a:srgbClr val="00B0F0"/>
+                <a:schemeClr val="tx1"/>
               </a:solidFill>
             </a:endParaRPr>
           </a:p>
@@ -8844,14 +8810,14 @@
             <a:r>
               <a:rPr lang="zh-CN" altLang="en-US">
                 <a:solidFill>
-                  <a:srgbClr val="00B0F0"/>
+                  <a:schemeClr val="tx1"/>
                 </a:solidFill>
               </a:rPr>
               <a:t>发现轮廓线和将回路分成了许多小段，每一段都和轮廓线有两个交点，由于只有一个回路，所以我们要区分相交的两个插头，即将他们分为左插头和右插头。</a:t>
             </a:r>
             <a:endParaRPr lang="zh-CN" altLang="en-US">
               <a:solidFill>
-                <a:srgbClr val="00B0F0"/>
+                <a:schemeClr val="tx1"/>
               </a:solidFill>
             </a:endParaRPr>
           </a:p>
@@ -8862,14 +8828,14 @@
             <a:r>
               <a:rPr lang="zh-CN" altLang="en-US">
                 <a:solidFill>
-                  <a:srgbClr val="00B0F0"/>
+                  <a:schemeClr val="tx1"/>
                 </a:solidFill>
               </a:rPr>
               <a:t>我们又发现两个小段对应的插头要么不交，要么包含，即不会出现交叉的情况，所以我们可以使用括号表示法来表示轮廓线的状态。</a:t>
             </a:r>
             <a:endParaRPr lang="zh-CN" altLang="en-US">
               <a:solidFill>
-                <a:srgbClr val="00B0F0"/>
+                <a:schemeClr val="tx1"/>
               </a:solidFill>
             </a:endParaRPr>
           </a:p>
@@ -8884,7 +8850,7 @@
           <p:nvPr/>
         </p:nvPicPr>
         <p:blipFill>
-          <a:blip r:embed="rId3"/>
+          <a:blip r:embed="rId2"/>
           <a:stretch>
             <a:fillRect/>
           </a:stretch>
@@ -8908,7 +8874,7 @@
           <p:nvPr/>
         </p:nvPicPr>
         <p:blipFill>
-          <a:blip r:embed="rId4"/>
+          <a:blip r:embed="rId3"/>
           <a:stretch>
             <a:fillRect/>
           </a:stretch>
@@ -10356,17 +10322,6 @@
 <file path=ppt/slides/slide13.xml><?xml version="1.0" encoding="utf-8"?>
 <p:sld xmlns:a="http://schemas.openxmlformats.org/drawingml/2006/main" xmlns:r="http://schemas.openxmlformats.org/officeDocument/2006/relationships" xmlns:p="http://schemas.openxmlformats.org/presentationml/2006/main">
   <p:cSld>
-    <p:bg>
-      <p:bgPr>
-        <a:blipFill rotWithShape="1">
-          <a:blip r:embed="rId1"/>
-          <a:stretch>
-            <a:fillRect/>
-          </a:stretch>
-        </a:blipFill>
-        <a:effectLst/>
-      </p:bgPr>
-    </p:bg>
     <p:spTree>
       <p:nvGrpSpPr>
         <p:cNvPr id="1" name=""/>
@@ -10394,14 +10349,14 @@
             <a:r>
               <a:rPr lang="zh-CN" altLang="en-US">
                 <a:solidFill>
-                  <a:srgbClr val="00B0F0"/>
+                  <a:schemeClr val="tx1"/>
                 </a:solidFill>
               </a:rPr>
               <a:t>转移需要大量分类讨论。</a:t>
             </a:r>
             <a:endParaRPr lang="zh-CN" altLang="en-US">
               <a:solidFill>
-                <a:srgbClr val="00B0F0"/>
+                <a:schemeClr val="tx1"/>
               </a:solidFill>
             </a:endParaRPr>
           </a:p>
@@ -10412,14 +10367,14 @@
             <a:r>
               <a:rPr lang="zh-CN" altLang="en-US">
                 <a:solidFill>
-                  <a:srgbClr val="00B0F0"/>
+                  <a:schemeClr val="tx1"/>
                 </a:solidFill>
               </a:rPr>
               <a:t>具体见右图。</a:t>
             </a:r>
             <a:endParaRPr lang="zh-CN" altLang="en-US">
               <a:solidFill>
-                <a:srgbClr val="00B0F0"/>
+                <a:schemeClr val="tx1"/>
               </a:solidFill>
             </a:endParaRPr>
           </a:p>
@@ -10434,7 +10389,7 @@
           <p:nvPr/>
         </p:nvPicPr>
         <p:blipFill>
-          <a:blip r:embed="rId2"/>
+          <a:blip r:embed="rId1"/>
           <a:stretch>
             <a:fillRect/>
           </a:stretch>
@@ -10458,7 +10413,7 @@
           <p:nvPr/>
         </p:nvPicPr>
         <p:blipFill>
-          <a:blip r:embed="rId3"/>
+          <a:blip r:embed="rId2"/>
           <a:stretch>
             <a:fillRect/>
           </a:stretch>
@@ -10482,7 +10437,7 @@
           <p:nvPr/>
         </p:nvPicPr>
         <p:blipFill>
-          <a:blip r:embed="rId4"/>
+          <a:blip r:embed="rId3"/>
           <a:stretch>
             <a:fillRect/>
           </a:stretch>
@@ -10506,7 +10461,7 @@
           <p:nvPr/>
         </p:nvPicPr>
         <p:blipFill>
-          <a:blip r:embed="rId5"/>
+          <a:blip r:embed="rId4"/>
           <a:stretch>
             <a:fillRect/>
           </a:stretch>
@@ -10530,7 +10485,7 @@
           <p:nvPr/>
         </p:nvPicPr>
         <p:blipFill>
-          <a:blip r:embed="rId6"/>
+          <a:blip r:embed="rId5"/>
           <a:stretch>
             <a:fillRect/>
           </a:stretch>
@@ -10554,7 +10509,7 @@
           <p:nvPr/>
         </p:nvPicPr>
         <p:blipFill>
-          <a:blip r:embed="rId7"/>
+          <a:blip r:embed="rId6"/>
           <a:stretch>
             <a:fillRect/>
           </a:stretch>
@@ -11492,17 +11447,6 @@
 <file path=ppt/slides/slide14.xml><?xml version="1.0" encoding="utf-8"?>
 <p:sld xmlns:a="http://schemas.openxmlformats.org/drawingml/2006/main" xmlns:r="http://schemas.openxmlformats.org/officeDocument/2006/relationships" xmlns:p="http://schemas.openxmlformats.org/presentationml/2006/main">
   <p:cSld>
-    <p:bg>
-      <p:bgPr>
-        <a:blipFill rotWithShape="1">
-          <a:blip r:embed="rId1"/>
-          <a:stretch>
-            <a:fillRect/>
-          </a:stretch>
-        </a:blipFill>
-        <a:effectLst/>
-      </p:bgPr>
-    </p:bg>
     <p:spTree>
       <p:nvGrpSpPr>
         <p:cNvPr id="1" name=""/>
@@ -11526,7 +11470,7 @@
           <a:p>
             <a:r>
               <a:rPr lang="zh-CN" altLang="en-US">
-                <a:hlinkClick r:id="rId2" action="ppaction://hlinkfile"/>
+                <a:hlinkClick r:id="rId1" action="ppaction://hlinkfile"/>
               </a:rPr>
               <a:t>P1713 麦当劳叔叔的难题</a:t>
             </a:r>
@@ -11554,7 +11498,7 @@
             <a:r>
               <a:rPr lang="en-US" altLang="zh-CN">
                 <a:solidFill>
-                  <a:srgbClr val="00B0F0"/>
+                  <a:schemeClr val="tx1"/>
                 </a:solidFill>
               </a:rPr>
               <a:t>Hint1</a:t>
@@ -11562,14 +11506,14 @@
             <a:r>
               <a:rPr lang="zh-CN" altLang="en-US">
                 <a:solidFill>
-                  <a:srgbClr val="00B0F0"/>
+                  <a:schemeClr val="tx1"/>
                 </a:solidFill>
               </a:rPr>
               <a:t>：路径和回路如何转化？</a:t>
             </a:r>
             <a:endParaRPr lang="zh-CN" altLang="en-US">
               <a:solidFill>
-                <a:srgbClr val="00B0F0"/>
+                <a:schemeClr val="tx1"/>
               </a:solidFill>
             </a:endParaRPr>
           </a:p>
@@ -11579,7 +11523,7 @@
             </a:pPr>
             <a:endParaRPr lang="zh-CN" altLang="en-US">
               <a:solidFill>
-                <a:srgbClr val="00B0F0"/>
+                <a:schemeClr val="tx1"/>
               </a:solidFill>
             </a:endParaRPr>
           </a:p>
@@ -11590,14 +11534,14 @@
             <a:r>
               <a:rPr lang="zh-CN" altLang="en-US">
                 <a:solidFill>
-                  <a:srgbClr val="00B0F0"/>
+                  <a:schemeClr val="tx1"/>
                 </a:solidFill>
               </a:rPr>
               <a:t>如下图转化，然后直接按上题做即可。</a:t>
             </a:r>
             <a:endParaRPr lang="zh-CN" altLang="en-US">
               <a:solidFill>
-                <a:srgbClr val="00B0F0"/>
+                <a:schemeClr val="tx1"/>
               </a:solidFill>
             </a:endParaRPr>
           </a:p>
@@ -11612,7 +11556,7 @@
           <p:nvPr/>
         </p:nvPicPr>
         <p:blipFill>
-          <a:blip r:embed="rId3"/>
+          <a:blip r:embed="rId2"/>
           <a:stretch>
             <a:fillRect/>
           </a:stretch>
@@ -12130,17 +12074,6 @@
 <file path=ppt/slides/slide15.xml><?xml version="1.0" encoding="utf-8"?>
 <p:sld xmlns:a="http://schemas.openxmlformats.org/drawingml/2006/main" xmlns:r="http://schemas.openxmlformats.org/officeDocument/2006/relationships" xmlns:p="http://schemas.openxmlformats.org/presentationml/2006/main">
   <p:cSld>
-    <p:bg>
-      <p:bgPr>
-        <a:blipFill rotWithShape="1">
-          <a:blip r:embed="rId1"/>
-          <a:stretch>
-            <a:fillRect/>
-          </a:stretch>
-        </a:blipFill>
-        <a:effectLst/>
-      </p:bgPr>
-    </p:bg>
     <p:spTree>
       <p:nvGrpSpPr>
         <p:cNvPr id="1" name=""/>
@@ -12164,7 +12097,7 @@
           <a:p>
             <a:r>
               <a:rPr lang="zh-CN" altLang="en-US">
-                <a:hlinkClick r:id="rId2" action="ppaction://hlinkfile"/>
+                <a:hlinkClick r:id="rId1" action="ppaction://hlinkfile"/>
               </a:rPr>
               <a:t>ZOJ3213 Beautiful Meadow</a:t>
             </a:r>
@@ -12192,7 +12125,7 @@
             <a:r>
               <a:rPr lang="en-US" altLang="zh-CN">
                 <a:solidFill>
-                  <a:srgbClr val="00B0F0"/>
+                  <a:schemeClr val="tx1"/>
                 </a:solidFill>
                 <a:sym typeface="+mn-ea"/>
               </a:rPr>
@@ -12201,7 +12134,7 @@
             <a:r>
               <a:rPr lang="zh-CN" altLang="en-US">
                 <a:solidFill>
-                  <a:srgbClr val="00B0F0"/>
+                  <a:schemeClr val="tx1"/>
                 </a:solidFill>
                 <a:sym typeface="+mn-ea"/>
               </a:rPr>
@@ -12209,7 +12142,7 @@
             </a:r>
             <a:endParaRPr lang="zh-CN" altLang="en-US">
               <a:solidFill>
-                <a:srgbClr val="00B0F0"/>
+                <a:schemeClr val="tx1"/>
               </a:solidFill>
               <a:sym typeface="+mn-ea"/>
             </a:endParaRPr>
@@ -12221,7 +12154,7 @@
             <a:r>
               <a:rPr lang="en-US" altLang="zh-CN">
                 <a:solidFill>
-                  <a:srgbClr val="00B0F0"/>
+                  <a:schemeClr val="tx1"/>
                 </a:solidFill>
                 <a:sym typeface="+mn-ea"/>
               </a:rPr>
@@ -12230,7 +12163,7 @@
             <a:r>
               <a:rPr lang="zh-CN" altLang="en-US">
                 <a:solidFill>
-                  <a:srgbClr val="00B0F0"/>
+                  <a:schemeClr val="tx1"/>
                 </a:solidFill>
                 <a:sym typeface="+mn-ea"/>
               </a:rPr>
@@ -12238,7 +12171,7 @@
             </a:r>
             <a:endParaRPr lang="zh-CN" altLang="en-US">
               <a:solidFill>
-                <a:srgbClr val="00B0F0"/>
+                <a:schemeClr val="tx1"/>
               </a:solidFill>
               <a:sym typeface="+mn-ea"/>
             </a:endParaRPr>
@@ -12249,7 +12182,7 @@
             </a:pPr>
             <a:endParaRPr lang="zh-CN" altLang="en-US">
               <a:solidFill>
-                <a:srgbClr val="00B0F0"/>
+                <a:schemeClr val="tx1"/>
               </a:solidFill>
             </a:endParaRPr>
           </a:p>
@@ -12260,14 +12193,14 @@
             <a:r>
               <a:rPr lang="zh-CN" altLang="en-US">
                 <a:solidFill>
-                  <a:srgbClr val="00B0F0"/>
+                  <a:schemeClr val="tx1"/>
                 </a:solidFill>
               </a:rPr>
               <a:t>发现和回路差不多，只是路径有可能与轮廓线只有一个交点，所以会出现独立插头。</a:t>
             </a:r>
             <a:endParaRPr lang="zh-CN" altLang="en-US">
               <a:solidFill>
-                <a:srgbClr val="00B0F0"/>
+                <a:schemeClr val="tx1"/>
               </a:solidFill>
             </a:endParaRPr>
           </a:p>
@@ -12282,7 +12215,7 @@
           <p:nvPr/>
         </p:nvPicPr>
         <p:blipFill>
-          <a:blip r:embed="rId3"/>
+          <a:blip r:embed="rId2"/>
           <a:stretch>
             <a:fillRect/>
           </a:stretch>
@@ -12984,17 +12917,6 @@
 <file path=ppt/slides/slide16.xml><?xml version="1.0" encoding="utf-8"?>
 <p:sld xmlns:a="http://schemas.openxmlformats.org/drawingml/2006/main" xmlns:r="http://schemas.openxmlformats.org/officeDocument/2006/relationships" xmlns:p="http://schemas.openxmlformats.org/presentationml/2006/main">
   <p:cSld>
-    <p:bg>
-      <p:bgPr>
-        <a:blipFill rotWithShape="1">
-          <a:blip r:embed="rId1"/>
-          <a:stretch>
-            <a:fillRect/>
-          </a:stretch>
-        </a:blipFill>
-        <a:effectLst/>
-      </p:bgPr>
-    </p:bg>
     <p:spTree>
       <p:nvGrpSpPr>
         <p:cNvPr id="1" name=""/>
@@ -13011,7 +12933,7 @@
           <p:nvPr/>
         </p:nvPicPr>
         <p:blipFill>
-          <a:blip r:embed="rId2"/>
+          <a:blip r:embed="rId1"/>
           <a:stretch>
             <a:fillRect/>
           </a:stretch>
@@ -13035,7 +12957,7 @@
           <p:nvPr/>
         </p:nvPicPr>
         <p:blipFill>
-          <a:blip r:embed="rId3"/>
+          <a:blip r:embed="rId2"/>
           <a:stretch>
             <a:fillRect/>
           </a:stretch>
@@ -13059,7 +12981,7 @@
           <p:nvPr/>
         </p:nvPicPr>
         <p:blipFill>
-          <a:blip r:embed="rId4"/>
+          <a:blip r:embed="rId3"/>
           <a:stretch>
             <a:fillRect/>
           </a:stretch>
@@ -13083,7 +13005,7 @@
           <p:nvPr/>
         </p:nvPicPr>
         <p:blipFill>
-          <a:blip r:embed="rId5"/>
+          <a:blip r:embed="rId4"/>
           <a:stretch>
             <a:fillRect/>
           </a:stretch>
@@ -13107,7 +13029,7 @@
           <p:nvPr/>
         </p:nvPicPr>
         <p:blipFill>
-          <a:blip r:embed="rId6"/>
+          <a:blip r:embed="rId5"/>
           <a:stretch>
             <a:fillRect/>
           </a:stretch>
@@ -13131,7 +13053,7 @@
           <p:nvPr/>
         </p:nvPicPr>
         <p:blipFill>
-          <a:blip r:embed="rId7"/>
+          <a:blip r:embed="rId6"/>
           <a:stretch>
             <a:fillRect/>
           </a:stretch>
@@ -13155,7 +13077,7 @@
           <p:nvPr/>
         </p:nvPicPr>
         <p:blipFill>
-          <a:blip r:embed="rId8"/>
+          <a:blip r:embed="rId7"/>
           <a:stretch>
             <a:fillRect/>
           </a:stretch>
@@ -13179,7 +13101,7 @@
           <p:nvPr/>
         </p:nvPicPr>
         <p:blipFill>
-          <a:blip r:embed="rId9"/>
+          <a:blip r:embed="rId8"/>
           <a:stretch>
             <a:fillRect/>
           </a:stretch>
@@ -13203,7 +13125,7 @@
           <p:nvPr/>
         </p:nvPicPr>
         <p:blipFill>
-          <a:blip r:embed="rId10"/>
+          <a:blip r:embed="rId9"/>
           <a:stretch>
             <a:fillRect/>
           </a:stretch>
@@ -13227,7 +13149,7 @@
           <p:nvPr/>
         </p:nvPicPr>
         <p:blipFill>
-          <a:blip r:embed="rId11"/>
+          <a:blip r:embed="rId10"/>
           <a:stretch>
             <a:fillRect/>
           </a:stretch>
@@ -13251,7 +13173,7 @@
           <p:nvPr/>
         </p:nvPicPr>
         <p:blipFill>
-          <a:blip r:embed="rId12"/>
+          <a:blip r:embed="rId11"/>
           <a:stretch>
             <a:fillRect/>
           </a:stretch>
@@ -14914,17 +14836,6 @@
 <file path=ppt/slides/slide17.xml><?xml version="1.0" encoding="utf-8"?>
 <p:sld xmlns:a="http://schemas.openxmlformats.org/drawingml/2006/main" xmlns:r="http://schemas.openxmlformats.org/officeDocument/2006/relationships" xmlns:p="http://schemas.openxmlformats.org/presentationml/2006/main">
   <p:cSld>
-    <p:bg>
-      <p:bgPr>
-        <a:blipFill rotWithShape="1">
-          <a:blip r:embed="rId1"/>
-          <a:stretch>
-            <a:fillRect/>
-          </a:stretch>
-        </a:blipFill>
-        <a:effectLst/>
-      </p:bgPr>
-    </p:bg>
     <p:spTree>
       <p:nvGrpSpPr>
         <p:cNvPr id="1" name=""/>
@@ -14957,14 +14868,14 @@
             <a:r>
               <a:rPr lang="en-US">
                 <a:solidFill>
-                  <a:srgbClr val="00B0F0"/>
+                  <a:schemeClr val="tx1"/>
                 </a:solidFill>
               </a:rPr>
               <a:t>The End</a:t>
             </a:r>
             <a:endParaRPr lang="en-US">
               <a:solidFill>
-                <a:srgbClr val="00B0F0"/>
+                <a:schemeClr val="tx1"/>
               </a:solidFill>
             </a:endParaRPr>
           </a:p>
@@ -14993,17 +14904,6 @@
 <file path=ppt/slides/slide2.xml><?xml version="1.0" encoding="utf-8"?>
 <p:sld xmlns:a="http://schemas.openxmlformats.org/drawingml/2006/main" xmlns:r="http://schemas.openxmlformats.org/officeDocument/2006/relationships" xmlns:p="http://schemas.openxmlformats.org/presentationml/2006/main">
   <p:cSld>
-    <p:bg>
-      <p:bgPr>
-        <a:blipFill rotWithShape="1">
-          <a:blip r:embed="rId1"/>
-          <a:stretch>
-            <a:fillRect/>
-          </a:stretch>
-        </a:blipFill>
-        <a:effectLst/>
-      </p:bgPr>
-    </p:bg>
     <p:spTree>
       <p:nvGrpSpPr>
         <p:cNvPr id="1" name=""/>
@@ -15027,7 +14927,7 @@
           <a:p>
             <a:r>
               <a:rPr lang="zh-CN" altLang="en-US">
-                <a:hlinkClick r:id="rId2" action="ppaction://hlinkfile">
+                <a:hlinkClick r:id="rId1" action="ppaction://hlinkfile">
                   <a:extLst>
                     <a:ext uri="{DAF060AB-1E55-43B9-8AAB-6FB025537F2F}">
                       <wpsdc:hlinkClr xmlns:wpsdc="http://www.wps.cn/officeDocument/2017/drawingmlCustomData" val="0000FF"/>
@@ -15040,7 +14940,7 @@
               <a:t>P2542 航线规划</a:t>
             </a:r>
             <a:endParaRPr lang="zh-CN" altLang="en-US">
-              <a:hlinkClick r:id="rId2" action="ppaction://hlinkfile">
+              <a:hlinkClick r:id="rId1" action="ppaction://hlinkfile">
                 <a:extLst>
                   <a:ext uri="{DAF060AB-1E55-43B9-8AAB-6FB025537F2F}">
                     <wpsdc:hlinkClr xmlns:wpsdc="http://www.wps.cn/officeDocument/2017/drawingmlCustomData" val="0000FF"/>
@@ -15073,7 +14973,7 @@
             <a:r>
               <a:rPr lang="en-US" altLang="zh-CN">
                 <a:solidFill>
-                  <a:srgbClr val="00B0F0"/>
+                  <a:schemeClr val="tx1"/>
                 </a:solidFill>
                 <a:sym typeface="+mn-ea"/>
               </a:rPr>
@@ -15082,7 +14982,7 @@
             <a:r>
               <a:rPr lang="zh-CN" altLang="en-US">
                 <a:solidFill>
-                  <a:srgbClr val="00B0F0"/>
+                  <a:schemeClr val="tx1"/>
                 </a:solidFill>
                 <a:sym typeface="+mn-ea"/>
               </a:rPr>
@@ -15090,7 +14990,7 @@
             </a:r>
             <a:endParaRPr lang="en-US" altLang="zh-CN">
               <a:solidFill>
-                <a:srgbClr val="00B0F0"/>
+                <a:schemeClr val="tx1"/>
               </a:solidFill>
             </a:endParaRPr>
           </a:p>
@@ -15101,7 +15001,7 @@
             <a:r>
               <a:rPr lang="en-US" altLang="zh-CN">
                 <a:solidFill>
-                  <a:srgbClr val="00B0F0"/>
+                  <a:schemeClr val="tx1"/>
                 </a:solidFill>
               </a:rPr>
               <a:t>Hint2</a:t>
@@ -15109,14 +15009,14 @@
             <a:r>
               <a:rPr lang="zh-CN" altLang="en-US">
                 <a:solidFill>
-                  <a:srgbClr val="00B0F0"/>
+                  <a:schemeClr val="tx1"/>
                 </a:solidFill>
               </a:rPr>
               <a:t>：什么东西比较好维护？</a:t>
             </a:r>
             <a:endParaRPr lang="zh-CN" altLang="en-US">
               <a:solidFill>
-                <a:srgbClr val="00B0F0"/>
+                <a:schemeClr val="tx1"/>
               </a:solidFill>
             </a:endParaRPr>
           </a:p>
@@ -15126,7 +15026,7 @@
             </a:pPr>
             <a:endParaRPr lang="zh-CN" altLang="en-US">
               <a:solidFill>
-                <a:srgbClr val="00B0F0"/>
+                <a:schemeClr val="tx1"/>
               </a:solidFill>
             </a:endParaRPr>
           </a:p>
@@ -15137,14 +15037,14 @@
             <a:r>
               <a:rPr lang="zh-CN" altLang="en-US">
                 <a:solidFill>
-                  <a:srgbClr val="00B0F0"/>
+                  <a:schemeClr val="tx1"/>
                 </a:solidFill>
               </a:rPr>
               <a:t>发现经过不断的删边后，图最后将会变为一棵树。</a:t>
             </a:r>
             <a:endParaRPr lang="zh-CN" altLang="en-US">
               <a:solidFill>
-                <a:srgbClr val="00B0F0"/>
+                <a:schemeClr val="tx1"/>
               </a:solidFill>
             </a:endParaRPr>
           </a:p>
@@ -15155,14 +15055,22 @@
             <a:r>
               <a:rPr lang="zh-CN" altLang="en-US">
                 <a:solidFill>
-                  <a:srgbClr val="00B0F0"/>
+                  <a:schemeClr val="tx1"/>
                 </a:solidFill>
               </a:rPr>
-              <a:t>考虑将过程反过来，那么就是每次在树上加一条边，这就会导致树上两点之间的路径所有边都变成非关键边。</a:t>
+              <a:t>考虑将过程反过来，那么就是每次在树上加一条边</a:t>
+            </a:r>
+            <a:r>
+              <a:rPr lang="zh-CN" altLang="en-US">
+                <a:solidFill>
+                  <a:schemeClr val="tx1"/>
+                </a:solidFill>
+              </a:rPr>
+              <a:t>，这就会导致树上两点之间的路径所有边都变成非关键边。</a:t>
             </a:r>
             <a:endParaRPr lang="zh-CN" altLang="en-US">
               <a:solidFill>
-                <a:srgbClr val="00B0F0"/>
+                <a:schemeClr val="tx1"/>
               </a:solidFill>
             </a:endParaRPr>
           </a:p>
@@ -15173,14 +15081,14 @@
             <a:r>
               <a:rPr lang="zh-CN" altLang="en-US">
                 <a:solidFill>
-                  <a:srgbClr val="00B0F0"/>
+                  <a:schemeClr val="tx1"/>
                 </a:solidFill>
               </a:rPr>
               <a:t>可以使用树链剖分维护。</a:t>
             </a:r>
             <a:endParaRPr lang="zh-CN" altLang="en-US">
               <a:solidFill>
-                <a:srgbClr val="00B0F0"/>
+                <a:schemeClr val="tx1"/>
               </a:solidFill>
             </a:endParaRPr>
           </a:p>
@@ -16003,17 +15911,6 @@
 <file path=ppt/slides/slide3.xml><?xml version="1.0" encoding="utf-8"?>
 <p:sld xmlns:a="http://schemas.openxmlformats.org/drawingml/2006/main" xmlns:r="http://schemas.openxmlformats.org/officeDocument/2006/relationships" xmlns:p="http://schemas.openxmlformats.org/presentationml/2006/main">
   <p:cSld>
-    <p:bg>
-      <p:bgPr>
-        <a:blipFill rotWithShape="1">
-          <a:blip r:embed="rId1"/>
-          <a:stretch>
-            <a:fillRect/>
-          </a:stretch>
-        </a:blipFill>
-        <a:effectLst/>
-      </p:bgPr>
-    </p:bg>
     <p:spTree>
       <p:nvGrpSpPr>
         <p:cNvPr id="1" name=""/>
@@ -16037,12 +15934,12 @@
           <a:p>
             <a:r>
               <a:rPr lang="zh-CN" altLang="en-US">
-                <a:hlinkClick r:id="rId2" action="ppaction://hlinkfile"/>
+                <a:hlinkClick r:id="rId1" action="ppaction://hlinkfile"/>
               </a:rPr>
               <a:t>P3979 遥远的国度</a:t>
             </a:r>
             <a:endParaRPr lang="zh-CN" altLang="en-US">
-              <a:hlinkClick r:id="rId2" action="ppaction://hlinkfile"/>
+              <a:hlinkClick r:id="rId1" action="ppaction://hlinkfile"/>
             </a:endParaRPr>
           </a:p>
         </p:txBody>
@@ -16067,7 +15964,7 @@
             <a:r>
               <a:rPr lang="en-US" altLang="zh-CN">
                 <a:solidFill>
-                  <a:srgbClr val="00B0F0"/>
+                  <a:schemeClr val="tx1"/>
                 </a:solidFill>
               </a:rPr>
               <a:t>Hint1</a:t>
@@ -16075,14 +15972,14 @@
             <a:r>
               <a:rPr lang="zh-CN" altLang="en-US">
                 <a:solidFill>
-                  <a:srgbClr val="00B0F0"/>
+                  <a:schemeClr val="tx1"/>
                 </a:solidFill>
               </a:rPr>
               <a:t>：如何处理换根？</a:t>
             </a:r>
             <a:endParaRPr lang="zh-CN" altLang="en-US">
               <a:solidFill>
-                <a:srgbClr val="00B0F0"/>
+                <a:schemeClr val="tx1"/>
               </a:solidFill>
             </a:endParaRPr>
           </a:p>
@@ -16092,7 +15989,7 @@
             </a:pPr>
             <a:endParaRPr lang="zh-CN" altLang="en-US">
               <a:solidFill>
-                <a:srgbClr val="00B0F0"/>
+                <a:schemeClr val="tx1"/>
               </a:solidFill>
             </a:endParaRPr>
           </a:p>
@@ -16103,14 +16000,14 @@
             <a:r>
               <a:rPr lang="zh-CN" altLang="en-US">
                 <a:solidFill>
-                  <a:srgbClr val="00B0F0"/>
+                  <a:schemeClr val="tx1"/>
                 </a:solidFill>
               </a:rPr>
               <a:t>如果没有换根操作，那么直接树剖即可。</a:t>
             </a:r>
             <a:endParaRPr lang="zh-CN" altLang="en-US">
               <a:solidFill>
-                <a:srgbClr val="00B0F0"/>
+                <a:schemeClr val="tx1"/>
               </a:solidFill>
             </a:endParaRPr>
           </a:p>
@@ -16121,7 +16018,7 @@
             <a:r>
               <a:rPr lang="zh-CN" altLang="en-US">
                 <a:solidFill>
-                  <a:srgbClr val="00B0F0"/>
+                  <a:schemeClr val="tx1"/>
                 </a:solidFill>
               </a:rPr>
               <a:t>我们先以</a:t>
@@ -16129,7 +16026,7 @@
             <a:r>
               <a:rPr lang="en-US" altLang="zh-CN">
                 <a:solidFill>
-                  <a:srgbClr val="00B0F0"/>
+                  <a:schemeClr val="tx1"/>
                 </a:solidFill>
               </a:rPr>
               <a:t> 1 </a:t>
@@ -16137,14 +16034,14 @@
             <a:r>
               <a:rPr lang="zh-CN" altLang="en-US">
                 <a:solidFill>
-                  <a:srgbClr val="00B0F0"/>
+                  <a:schemeClr val="tx1"/>
                 </a:solidFill>
               </a:rPr>
               <a:t>为根进行树剖，然后分类讨论当前节点和树根的关系就可以确定子树的位置了。</a:t>
             </a:r>
             <a:endParaRPr lang="zh-CN" altLang="en-US">
               <a:solidFill>
-                <a:srgbClr val="00B0F0"/>
+                <a:schemeClr val="tx1"/>
               </a:solidFill>
             </a:endParaRPr>
           </a:p>
@@ -16686,17 +16583,6 @@
 <file path=ppt/slides/slide4.xml><?xml version="1.0" encoding="utf-8"?>
 <p:sld xmlns:a="http://schemas.openxmlformats.org/drawingml/2006/main" xmlns:r="http://schemas.openxmlformats.org/officeDocument/2006/relationships" xmlns:p="http://schemas.openxmlformats.org/presentationml/2006/main">
   <p:cSld>
-    <p:bg>
-      <p:bgPr>
-        <a:blipFill rotWithShape="1">
-          <a:blip r:embed="rId1"/>
-          <a:stretch>
-            <a:fillRect/>
-          </a:stretch>
-        </a:blipFill>
-        <a:effectLst/>
-      </p:bgPr>
-    </p:bg>
     <p:spTree>
       <p:nvGrpSpPr>
         <p:cNvPr id="1" name=""/>
@@ -16720,7 +16606,7 @@
           <a:p>
             <a:r>
               <a:rPr lang="zh-CN" altLang="en-US">
-                <a:hlinkClick r:id="rId2" action="ppaction://hlinkfile"/>
+                <a:hlinkClick r:id="rId1" action="ppaction://hlinkfile"/>
               </a:rPr>
               <a:t>P4320 道路相遇</a:t>
             </a:r>
@@ -16748,7 +16634,7 @@
             <a:r>
               <a:rPr lang="en-US" altLang="zh-CN">
                 <a:solidFill>
-                  <a:srgbClr val="00B0F0"/>
+                  <a:schemeClr val="tx1"/>
                 </a:solidFill>
               </a:rPr>
               <a:t>Hint1</a:t>
@@ -16756,14 +16642,14 @@
             <a:r>
               <a:rPr lang="zh-CN" altLang="en-US">
                 <a:solidFill>
-                  <a:srgbClr val="00B0F0"/>
+                  <a:schemeClr val="tx1"/>
                 </a:solidFill>
               </a:rPr>
               <a:t>：哪些点一定会被经过？</a:t>
             </a:r>
             <a:endParaRPr lang="zh-CN" altLang="en-US">
               <a:solidFill>
-                <a:srgbClr val="00B0F0"/>
+                <a:schemeClr val="tx1"/>
               </a:solidFill>
             </a:endParaRPr>
           </a:p>
@@ -16773,7 +16659,7 @@
             </a:pPr>
             <a:endParaRPr lang="zh-CN" altLang="en-US">
               <a:solidFill>
-                <a:srgbClr val="00B0F0"/>
+                <a:schemeClr val="tx1"/>
               </a:solidFill>
             </a:endParaRPr>
           </a:p>
@@ -16784,7 +16670,7 @@
             <a:r>
               <a:rPr lang="zh-CN" altLang="en-US">
                 <a:solidFill>
-                  <a:srgbClr val="00B0F0"/>
+                  <a:schemeClr val="tx1"/>
                 </a:solidFill>
               </a:rPr>
               <a:t>我们发现这两点间的割点一定会被经过，所以建出圆方树，答案就是</a:t>
@@ -16792,7 +16678,7 @@
             <a:r>
               <a:rPr lang="en-US" altLang="zh-CN">
                 <a:solidFill>
-                  <a:srgbClr val="00B0F0"/>
+                  <a:schemeClr val="tx1"/>
                 </a:solidFill>
               </a:rPr>
               <a:t> x </a:t>
@@ -16800,7 +16686,7 @@
             <a:r>
               <a:rPr lang="zh-CN" altLang="en-US">
                 <a:solidFill>
-                  <a:srgbClr val="00B0F0"/>
+                  <a:schemeClr val="tx1"/>
                 </a:solidFill>
               </a:rPr>
               <a:t>到</a:t>
@@ -16808,7 +16694,7 @@
             <a:r>
               <a:rPr lang="en-US" altLang="zh-CN">
                 <a:solidFill>
-                  <a:srgbClr val="00B0F0"/>
+                  <a:schemeClr val="tx1"/>
                 </a:solidFill>
               </a:rPr>
               <a:t> y </a:t>
@@ -16816,14 +16702,14 @@
             <a:r>
               <a:rPr lang="zh-CN" altLang="en-US">
                 <a:solidFill>
-                  <a:srgbClr val="00B0F0"/>
+                  <a:schemeClr val="tx1"/>
                 </a:solidFill>
               </a:rPr>
               <a:t>路径上的圆点数量。</a:t>
             </a:r>
             <a:endParaRPr lang="zh-CN" altLang="en-US">
               <a:solidFill>
-                <a:srgbClr val="00B0F0"/>
+                <a:schemeClr val="tx1"/>
               </a:solidFill>
             </a:endParaRPr>
           </a:p>
@@ -17201,17 +17087,6 @@
 <file path=ppt/slides/slide5.xml><?xml version="1.0" encoding="utf-8"?>
 <p:sld xmlns:a="http://schemas.openxmlformats.org/drawingml/2006/main" xmlns:r="http://schemas.openxmlformats.org/officeDocument/2006/relationships" xmlns:p="http://schemas.openxmlformats.org/presentationml/2006/main">
   <p:cSld>
-    <p:bg>
-      <p:bgPr>
-        <a:blipFill rotWithShape="1">
-          <a:blip r:embed="rId1"/>
-          <a:stretch>
-            <a:fillRect/>
-          </a:stretch>
-        </a:blipFill>
-        <a:effectLst/>
-      </p:bgPr>
-    </p:bg>
     <p:spTree>
       <p:nvGrpSpPr>
         <p:cNvPr id="1" name=""/>
@@ -17235,7 +17110,7 @@
           <a:p>
             <a:r>
               <a:rPr lang="zh-CN" altLang="en-US">
-                <a:hlinkClick r:id="rId2" action="ppaction://hlinkfile"/>
+                <a:hlinkClick r:id="rId1" action="ppaction://hlinkfile"/>
               </a:rPr>
               <a:t>P11237 警察与小偷</a:t>
             </a:r>
@@ -17265,7 +17140,7 @@
                 <a:r>
                   <a:rPr lang="en-US" altLang="zh-CN">
                     <a:solidFill>
-                      <a:srgbClr val="00B0F0"/>
+                      <a:schemeClr val="tx1"/>
                     </a:solidFill>
                   </a:rPr>
                   <a:t>Hint1</a:t>
@@ -17273,7 +17148,7 @@
                 <a:r>
                   <a:rPr lang="zh-CN" altLang="en-US">
                     <a:solidFill>
-                      <a:srgbClr val="00B0F0"/>
+                      <a:schemeClr val="tx1"/>
                     </a:solidFill>
                   </a:rPr>
                   <a:t>：</a:t>
@@ -17285,7 +17160,7 @@
                         <m:ctrlPr>
                           <a:rPr lang="zh-CN" altLang="en-US" i="1">
                             <a:solidFill>
-                              <a:srgbClr val="00B0F0"/>
+                              <a:schemeClr val="tx1"/>
                             </a:solidFill>
                             <a:latin typeface="DejaVu Math TeX Gyre" panose="02000503000000000000" charset="0"/>
                             <a:cs typeface="DejaVu Math TeX Gyre" panose="02000503000000000000" charset="0"/>
@@ -17296,7 +17171,7 @@
                         <m:r>
                           <a:rPr lang="en-US" altLang="zh-CN" i="1">
                             <a:solidFill>
-                              <a:srgbClr val="00B0F0"/>
+                              <a:schemeClr val="tx1"/>
                             </a:solidFill>
                             <a:latin typeface="DejaVu Math TeX Gyre" panose="02000503000000000000" charset="0"/>
                             <a:cs typeface="DejaVu Math TeX Gyre" panose="02000503000000000000" charset="0"/>
@@ -17308,7 +17183,7 @@
                         <m:r>
                           <a:rPr lang="en-US" altLang="zh-CN" i="1">
                             <a:solidFill>
-                              <a:srgbClr val="00B0F0"/>
+                              <a:schemeClr val="tx1"/>
                             </a:solidFill>
                             <a:latin typeface="DejaVu Math TeX Gyre" panose="02000503000000000000" charset="0"/>
                             <a:cs typeface="DejaVu Math TeX Gyre" panose="02000503000000000000" charset="0"/>
@@ -17320,7 +17195,7 @@
                     <m:r>
                       <a:rPr lang="en-US" altLang="zh-CN" i="1">
                         <a:solidFill>
-                          <a:srgbClr val="00B0F0"/>
+                          <a:schemeClr val="tx1"/>
                         </a:solidFill>
                         <a:latin typeface="DejaVu Math TeX Gyre" panose="02000503000000000000" charset="0"/>
                         <a:cs typeface="DejaVu Math TeX Gyre" panose="02000503000000000000" charset="0"/>
@@ -17332,7 +17207,7 @@
                         <m:ctrlPr>
                           <a:rPr lang="en-US" altLang="zh-CN" i="1">
                             <a:solidFill>
-                              <a:srgbClr val="00B0F0"/>
+                              <a:schemeClr val="tx1"/>
                             </a:solidFill>
                             <a:latin typeface="DejaVu Math TeX Gyre" panose="02000503000000000000" charset="0"/>
                             <a:cs typeface="DejaVu Math TeX Gyre" panose="02000503000000000000" charset="0"/>
@@ -17343,7 +17218,7 @@
                         <m:r>
                           <a:rPr lang="en-US" altLang="zh-CN" i="1">
                             <a:solidFill>
-                              <a:srgbClr val="00B0F0"/>
+                              <a:schemeClr val="tx1"/>
                             </a:solidFill>
                             <a:latin typeface="DejaVu Math TeX Gyre" panose="02000503000000000000" charset="0"/>
                             <a:cs typeface="DejaVu Math TeX Gyre" panose="02000503000000000000" charset="0"/>
@@ -17355,7 +17230,7 @@
                         <m:r>
                           <a:rPr lang="en-US" altLang="zh-CN" i="1">
                             <a:solidFill>
-                              <a:srgbClr val="00B0F0"/>
+                              <a:schemeClr val="tx1"/>
                             </a:solidFill>
                             <a:latin typeface="DejaVu Math TeX Gyre" panose="02000503000000000000" charset="0"/>
                             <a:cs typeface="DejaVu Math TeX Gyre" panose="02000503000000000000" charset="0"/>
@@ -17369,7 +17244,7 @@
                 <a:r>
                   <a:rPr lang="en-US" altLang="zh-CN">
                     <a:solidFill>
-                      <a:srgbClr val="00B0F0"/>
+                      <a:schemeClr val="tx1"/>
                     </a:solidFill>
                   </a:rPr>
                   <a:t> </a:t>
@@ -17377,14 +17252,14 @@
                 <a:r>
                   <a:rPr lang="zh-CN" altLang="en-US">
                     <a:solidFill>
-                      <a:srgbClr val="00B0F0"/>
+                      <a:schemeClr val="tx1"/>
                     </a:solidFill>
                   </a:rPr>
                   <a:t>时答案是什么？</a:t>
                 </a:r>
                 <a:endParaRPr lang="zh-CN" altLang="en-US">
                   <a:solidFill>
-                    <a:srgbClr val="00B0F0"/>
+                    <a:schemeClr val="tx1"/>
                   </a:solidFill>
                 </a:endParaRPr>
               </a:p>
@@ -17394,7 +17269,7 @@
                 </a:pPr>
                 <a:endParaRPr lang="zh-CN" altLang="en-US">
                   <a:solidFill>
-                    <a:srgbClr val="00B0F0"/>
+                    <a:schemeClr val="tx1"/>
                   </a:solidFill>
                 </a:endParaRPr>
               </a:p>
@@ -17405,7 +17280,7 @@
                 <a:r>
                   <a:rPr lang="zh-CN" altLang="en-US">
                     <a:solidFill>
-                      <a:srgbClr val="00B0F0"/>
+                      <a:schemeClr val="tx1"/>
                     </a:solidFill>
                   </a:rPr>
                   <a:t>当</a:t>
@@ -17413,7 +17288,7 @@
                 <a:r>
                   <a:rPr lang="en-US" altLang="zh-CN">
                     <a:solidFill>
-                      <a:srgbClr val="00B0F0"/>
+                      <a:schemeClr val="tx1"/>
                     </a:solidFill>
                   </a:rPr>
                   <a:t> </a:t>
@@ -17425,7 +17300,7 @@
                         <m:ctrlPr>
                           <a:rPr lang="zh-CN" altLang="en-US" i="1">
                             <a:solidFill>
-                              <a:srgbClr val="00B0F0"/>
+                              <a:schemeClr val="tx1"/>
                             </a:solidFill>
                             <a:latin typeface="DejaVu Math TeX Gyre" panose="02000503000000000000" charset="0"/>
                             <a:cs typeface="DejaVu Math TeX Gyre" panose="02000503000000000000" charset="0"/>
@@ -17436,7 +17311,7 @@
                         <m:r>
                           <a:rPr lang="en-US" altLang="zh-CN" i="1">
                             <a:solidFill>
-                              <a:srgbClr val="00B0F0"/>
+                              <a:schemeClr val="tx1"/>
                             </a:solidFill>
                             <a:latin typeface="DejaVu Math TeX Gyre" panose="02000503000000000000" charset="0"/>
                             <a:cs typeface="DejaVu Math TeX Gyre" panose="02000503000000000000" charset="0"/>
@@ -17448,7 +17323,7 @@
                         <m:r>
                           <a:rPr lang="en-US" altLang="zh-CN" i="1">
                             <a:solidFill>
-                              <a:srgbClr val="00B0F0"/>
+                              <a:schemeClr val="tx1"/>
                             </a:solidFill>
                             <a:latin typeface="DejaVu Math TeX Gyre" panose="02000503000000000000" charset="0"/>
                             <a:cs typeface="DejaVu Math TeX Gyre" panose="02000503000000000000" charset="0"/>
@@ -17460,7 +17335,7 @@
                     <m:r>
                       <a:rPr lang="en-US" altLang="zh-CN" i="1">
                         <a:solidFill>
-                          <a:srgbClr val="00B0F0"/>
+                          <a:schemeClr val="tx1"/>
                         </a:solidFill>
                         <a:latin typeface="DejaVu Math TeX Gyre" panose="02000503000000000000" charset="0"/>
                         <a:cs typeface="DejaVu Math TeX Gyre" panose="02000503000000000000" charset="0"/>
@@ -17472,7 +17347,7 @@
                         <m:ctrlPr>
                           <a:rPr lang="en-US" altLang="zh-CN" i="1">
                             <a:solidFill>
-                              <a:srgbClr val="00B0F0"/>
+                              <a:schemeClr val="tx1"/>
                             </a:solidFill>
                             <a:latin typeface="DejaVu Math TeX Gyre" panose="02000503000000000000" charset="0"/>
                             <a:cs typeface="DejaVu Math TeX Gyre" panose="02000503000000000000" charset="0"/>
@@ -17483,7 +17358,7 @@
                         <m:r>
                           <a:rPr lang="en-US" altLang="zh-CN" i="1">
                             <a:solidFill>
-                              <a:srgbClr val="00B0F0"/>
+                              <a:schemeClr val="tx1"/>
                             </a:solidFill>
                             <a:latin typeface="DejaVu Math TeX Gyre" panose="02000503000000000000" charset="0"/>
                             <a:cs typeface="DejaVu Math TeX Gyre" panose="02000503000000000000" charset="0"/>
@@ -17495,7 +17370,7 @@
                         <m:r>
                           <a:rPr lang="en-US" altLang="zh-CN" i="1">
                             <a:solidFill>
-                              <a:srgbClr val="00B0F0"/>
+                              <a:schemeClr val="tx1"/>
                             </a:solidFill>
                             <a:latin typeface="DejaVu Math TeX Gyre" panose="02000503000000000000" charset="0"/>
                             <a:cs typeface="DejaVu Math TeX Gyre" panose="02000503000000000000" charset="0"/>
@@ -17509,7 +17384,7 @@
                 <a:r>
                   <a:rPr lang="en-US" altLang="zh-CN">
                     <a:solidFill>
-                      <a:srgbClr val="00B0F0"/>
+                      <a:schemeClr val="tx1"/>
                     </a:solidFill>
                     <a:sym typeface="+mn-ea"/>
                   </a:rPr>
@@ -17518,7 +17393,7 @@
                 <a:r>
                   <a:rPr lang="zh-CN" altLang="en-US">
                     <a:solidFill>
-                      <a:srgbClr val="00B0F0"/>
+                      <a:schemeClr val="tx1"/>
                     </a:solidFill>
                     <a:sym typeface="+mn-ea"/>
                   </a:rPr>
@@ -17526,7 +17401,7 @@
                 </a:r>
                 <a:endParaRPr lang="zh-CN" altLang="en-US">
                   <a:solidFill>
-                    <a:srgbClr val="00B0F0"/>
+                    <a:schemeClr val="tx1"/>
                   </a:solidFill>
                   <a:sym typeface="+mn-ea"/>
                 </a:endParaRPr>
@@ -17538,7 +17413,7 @@
                 <a:r>
                   <a:rPr lang="zh-CN" altLang="en-US">
                     <a:solidFill>
-                      <a:srgbClr val="00B0F0"/>
+                      <a:schemeClr val="tx1"/>
                     </a:solidFill>
                     <a:sym typeface="+mn-ea"/>
                   </a:rPr>
@@ -17547,7 +17422,7 @@
                 <a:r>
                   <a:rPr lang="en-US" altLang="zh-CN">
                     <a:solidFill>
-                      <a:srgbClr val="00B0F0"/>
+                      <a:schemeClr val="tx1"/>
                     </a:solidFill>
                     <a:sym typeface="+mn-ea"/>
                   </a:rPr>
@@ -17556,7 +17431,7 @@
                 <a:r>
                   <a:rPr lang="zh-CN" altLang="en-US">
                     <a:solidFill>
-                      <a:srgbClr val="00B0F0"/>
+                      <a:schemeClr val="tx1"/>
                     </a:solidFill>
                     <a:sym typeface="+mn-ea"/>
                   </a:rPr>
@@ -17564,7 +17439,7 @@
                 </a:r>
                 <a:endParaRPr lang="zh-CN" altLang="en-US">
                   <a:solidFill>
-                    <a:srgbClr val="00B0F0"/>
+                    <a:schemeClr val="tx1"/>
                   </a:solidFill>
                   <a:sym typeface="+mn-ea"/>
                 </a:endParaRPr>
@@ -17576,7 +17451,7 @@
                 <a:r>
                   <a:rPr lang="zh-CN" altLang="en-US">
                     <a:solidFill>
-                      <a:srgbClr val="00B0F0"/>
+                      <a:schemeClr val="tx1"/>
                     </a:solidFill>
                   </a:rPr>
                   <a:t>当</a:t>
@@ -17584,7 +17459,7 @@
                 <a:r>
                   <a:rPr lang="en-US" altLang="zh-CN">
                     <a:solidFill>
-                      <a:srgbClr val="00B0F0"/>
+                      <a:schemeClr val="tx1"/>
                     </a:solidFill>
                   </a:rPr>
                   <a:t> </a:t>
@@ -17596,7 +17471,7 @@
                         <m:ctrlPr>
                           <a:rPr lang="zh-CN" altLang="en-US" i="1">
                             <a:solidFill>
-                              <a:srgbClr val="00B0F0"/>
+                              <a:schemeClr val="tx1"/>
                             </a:solidFill>
                             <a:latin typeface="DejaVu Math TeX Gyre" panose="02000503000000000000" charset="0"/>
                             <a:cs typeface="DejaVu Math TeX Gyre" panose="02000503000000000000" charset="0"/>
@@ -17607,7 +17482,7 @@
                         <m:r>
                           <a:rPr lang="en-US" altLang="zh-CN" i="1">
                             <a:solidFill>
-                              <a:srgbClr val="00B0F0"/>
+                              <a:schemeClr val="tx1"/>
                             </a:solidFill>
                             <a:latin typeface="DejaVu Math TeX Gyre" panose="02000503000000000000" charset="0"/>
                             <a:cs typeface="DejaVu Math TeX Gyre" panose="02000503000000000000" charset="0"/>
@@ -17619,7 +17494,7 @@
                         <m:r>
                           <a:rPr lang="en-US" altLang="zh-CN" i="1">
                             <a:solidFill>
-                              <a:srgbClr val="00B0F0"/>
+                              <a:schemeClr val="tx1"/>
                             </a:solidFill>
                             <a:latin typeface="DejaVu Math TeX Gyre" panose="02000503000000000000" charset="0"/>
                             <a:cs typeface="DejaVu Math TeX Gyre" panose="02000503000000000000" charset="0"/>
@@ -17631,7 +17506,7 @@
                     <m:r>
                       <a:rPr lang="en-US" altLang="zh-CN" i="1">
                         <a:solidFill>
-                          <a:srgbClr val="00B0F0"/>
+                          <a:schemeClr val="tx1"/>
                         </a:solidFill>
                         <a:latin typeface="DejaVu Math TeX Gyre" panose="02000503000000000000" charset="0"/>
                         <a:cs typeface="DejaVu Math TeX Gyre" panose="02000503000000000000" charset="0"/>
@@ -17643,7 +17518,7 @@
                         <m:ctrlPr>
                           <a:rPr lang="en-US" altLang="zh-CN" i="1">
                             <a:solidFill>
-                              <a:srgbClr val="00B0F0"/>
+                              <a:schemeClr val="tx1"/>
                             </a:solidFill>
                             <a:latin typeface="DejaVu Math TeX Gyre" panose="02000503000000000000" charset="0"/>
                             <a:cs typeface="DejaVu Math TeX Gyre" panose="02000503000000000000" charset="0"/>
@@ -17654,7 +17529,7 @@
                         <m:r>
                           <a:rPr lang="en-US" altLang="zh-CN" i="1">
                             <a:solidFill>
-                              <a:srgbClr val="00B0F0"/>
+                              <a:schemeClr val="tx1"/>
                             </a:solidFill>
                             <a:latin typeface="DejaVu Math TeX Gyre" panose="02000503000000000000" charset="0"/>
                             <a:cs typeface="DejaVu Math TeX Gyre" panose="02000503000000000000" charset="0"/>
@@ -17666,7 +17541,7 @@
                         <m:r>
                           <a:rPr lang="en-US" altLang="zh-CN" i="1">
                             <a:solidFill>
-                              <a:srgbClr val="00B0F0"/>
+                              <a:schemeClr val="tx1"/>
                             </a:solidFill>
                             <a:latin typeface="DejaVu Math TeX Gyre" panose="02000503000000000000" charset="0"/>
                             <a:cs typeface="DejaVu Math TeX Gyre" panose="02000503000000000000" charset="0"/>
@@ -17680,7 +17555,7 @@
                 <a:r>
                   <a:rPr lang="en-US" altLang="zh-CN">
                     <a:solidFill>
-                      <a:srgbClr val="00B0F0"/>
+                      <a:schemeClr val="tx1"/>
                     </a:solidFill>
                   </a:rPr>
                   <a:t> </a:t>
@@ -17688,14 +17563,14 @@
                 <a:r>
                   <a:rPr lang="zh-CN" altLang="en-US">
                     <a:solidFill>
-                      <a:srgbClr val="00B0F0"/>
+                      <a:schemeClr val="tx1"/>
                     </a:solidFill>
                   </a:rPr>
                   <a:t>时，小偷不一定会走到他可以走到的最上方的节点，而是只走一部分向上的路径后就开始向下走，所以答案是一个路径上的最大值，可以用树剖维护。</a:t>
                 </a:r>
                 <a:endParaRPr lang="zh-CN" altLang="en-US">
                   <a:solidFill>
-                    <a:srgbClr val="00B0F0"/>
+                    <a:schemeClr val="tx1"/>
                   </a:solidFill>
                 </a:endParaRPr>
               </a:p>
@@ -17715,7 +17590,7 @@
             </p:nvSpPr>
             <p:spPr>
               <a:blipFill rotWithShape="1">
-                <a:blip r:embed="rId3"/>
+                <a:blip r:embed="rId2"/>
                 <a:stretch>
                   <a:fillRect b="7"/>
                 </a:stretch>
@@ -18774,17 +18649,6 @@
 <file path=ppt/slides/slide6.xml><?xml version="1.0" encoding="utf-8"?>
 <p:sld xmlns:a="http://schemas.openxmlformats.org/drawingml/2006/main" xmlns:r="http://schemas.openxmlformats.org/officeDocument/2006/relationships" xmlns:p="http://schemas.openxmlformats.org/presentationml/2006/main">
   <p:cSld>
-    <p:bg>
-      <p:bgPr>
-        <a:blipFill rotWithShape="1">
-          <a:blip r:embed="rId1"/>
-          <a:stretch>
-            <a:fillRect/>
-          </a:stretch>
-        </a:blipFill>
-        <a:effectLst/>
-      </p:bgPr>
-    </p:bg>
     <p:spTree>
       <p:nvGrpSpPr>
         <p:cNvPr id="1" name=""/>
@@ -18808,7 +18672,7 @@
           <a:p>
             <a:r>
               <a:rPr lang="zh-CN" altLang="en-US">
-                <a:hlinkClick r:id="rId2" action="ppaction://hlinkfile"/>
+                <a:hlinkClick r:id="rId1" action="ppaction://hlinkfile"/>
               </a:rPr>
               <a:t>CF246E Blood Cousins Return</a:t>
             </a:r>
@@ -18836,7 +18700,7 @@
             <a:r>
               <a:rPr lang="en-US" altLang="zh-CN">
                 <a:solidFill>
-                  <a:srgbClr val="00B0F0"/>
+                  <a:schemeClr val="tx1"/>
                 </a:solidFill>
               </a:rPr>
               <a:t>Hint1</a:t>
@@ -18844,14 +18708,14 @@
             <a:r>
               <a:rPr lang="zh-CN" altLang="en-US">
                 <a:solidFill>
-                  <a:srgbClr val="00B0F0"/>
+                  <a:schemeClr val="tx1"/>
                 </a:solidFill>
               </a:rPr>
               <a:t>：子节点如何快速合并到父节点？</a:t>
             </a:r>
             <a:endParaRPr lang="zh-CN" altLang="en-US">
               <a:solidFill>
-                <a:srgbClr val="00B0F0"/>
+                <a:schemeClr val="tx1"/>
               </a:solidFill>
             </a:endParaRPr>
           </a:p>
@@ -18861,7 +18725,7 @@
             </a:pPr>
             <a:endParaRPr lang="en-US" altLang="zh-CN">
               <a:solidFill>
-                <a:srgbClr val="00B0F0"/>
+                <a:schemeClr val="tx1"/>
               </a:solidFill>
             </a:endParaRPr>
           </a:p>
@@ -18872,7 +18736,7 @@
             <a:r>
               <a:rPr lang="zh-CN" altLang="en-US">
                 <a:solidFill>
-                  <a:srgbClr val="00B0F0"/>
+                  <a:schemeClr val="tx1"/>
                 </a:solidFill>
               </a:rPr>
               <a:t>可以使用启发式合并，每次计算轻儿子的答案后清空数组（不能用</a:t>
@@ -18880,7 +18744,7 @@
             <a:r>
               <a:rPr lang="en-US" altLang="zh-CN">
                 <a:solidFill>
-                  <a:srgbClr val="00B0F0"/>
+                  <a:schemeClr val="tx1"/>
                 </a:solidFill>
               </a:rPr>
               <a:t> memset</a:t>
@@ -18888,7 +18752,7 @@
             <a:r>
               <a:rPr lang="zh-CN" altLang="en-US">
                 <a:solidFill>
-                  <a:srgbClr val="00B0F0"/>
+                  <a:schemeClr val="tx1"/>
                 </a:solidFill>
               </a:rPr>
               <a:t>，要写</a:t>
@@ -18896,7 +18760,7 @@
             <a:r>
               <a:rPr lang="en-US" altLang="zh-CN">
                 <a:solidFill>
-                  <a:srgbClr val="00B0F0"/>
+                  <a:schemeClr val="tx1"/>
                 </a:solidFill>
               </a:rPr>
               <a:t> dfs </a:t>
@@ -18904,14 +18768,14 @@
             <a:r>
               <a:rPr lang="zh-CN" altLang="en-US">
                 <a:solidFill>
-                  <a:srgbClr val="00B0F0"/>
+                  <a:schemeClr val="tx1"/>
                 </a:solidFill>
               </a:rPr>
               <a:t>函数进行清空），继承重儿子的答案即可。</a:t>
             </a:r>
             <a:endParaRPr lang="zh-CN" altLang="en-US">
               <a:solidFill>
-                <a:srgbClr val="00B0F0"/>
+                <a:schemeClr val="tx1"/>
               </a:solidFill>
             </a:endParaRPr>
           </a:p>
@@ -19314,17 +19178,6 @@
 <file path=ppt/slides/slide7.xml><?xml version="1.0" encoding="utf-8"?>
 <p:sld xmlns:a="http://schemas.openxmlformats.org/drawingml/2006/main" xmlns:r="http://schemas.openxmlformats.org/officeDocument/2006/relationships" xmlns:p="http://schemas.openxmlformats.org/presentationml/2006/main">
   <p:cSld>
-    <p:bg>
-      <p:bgPr>
-        <a:blipFill rotWithShape="1">
-          <a:blip r:embed="rId1"/>
-          <a:stretch>
-            <a:fillRect/>
-          </a:stretch>
-        </a:blipFill>
-        <a:effectLst/>
-      </p:bgPr>
-    </p:bg>
     <p:spTree>
       <p:nvGrpSpPr>
         <p:cNvPr id="1" name=""/>
@@ -19348,7 +19201,7 @@
           <a:p>
             <a:r>
               <a:rPr lang="zh-CN" altLang="en-US">
-                <a:hlinkClick r:id="rId2" action="ppaction://hlinkfile"/>
+                <a:hlinkClick r:id="rId1" action="ppaction://hlinkfile"/>
               </a:rPr>
               <a:t>P5903 树上 K 级祖先</a:t>
             </a:r>
@@ -19380,7 +19233,7 @@
                 <a:r>
                   <a:rPr lang="zh-CN" altLang="en-US">
                     <a:solidFill>
-                      <a:srgbClr val="00B0F0"/>
+                      <a:schemeClr val="tx1"/>
                     </a:solidFill>
                   </a:rPr>
                   <a:t>相信大家都会直接用树剖维护，</a:t>
@@ -19388,7 +19241,7 @@
                 <a:r>
                   <a:rPr lang="zh-CN" altLang="en-US">
                     <a:solidFill>
-                      <a:srgbClr val="00B0F0"/>
+                      <a:schemeClr val="tx1"/>
                     </a:solidFill>
                     <a:sym typeface="+mn-ea"/>
                   </a:rPr>
@@ -19399,7 +19252,7 @@
                     <m:r>
                       <a:rPr lang="en-US" altLang="zh-CN" i="1">
                         <a:solidFill>
-                          <a:srgbClr val="00B0F0"/>
+                          <a:schemeClr val="tx1"/>
                         </a:solidFill>
                         <a:latin typeface="DejaVu Math TeX Gyre" panose="02000503000000000000" charset="0"/>
                         <a:cs typeface="DejaVu Math TeX Gyre" panose="02000503000000000000" charset="0"/>
@@ -19409,7 +19262,7 @@
                     <m:r>
                       <a:rPr lang="en-US" altLang="zh-CN" i="1">
                         <a:solidFill>
-                          <a:srgbClr val="00B0F0"/>
+                          <a:schemeClr val="tx1"/>
                         </a:solidFill>
                         <a:latin typeface="DejaVu Math TeX Gyre" panose="02000503000000000000" charset="0"/>
                         <a:cs typeface="DejaVu Math TeX Gyre" panose="02000503000000000000" charset="0"/>
@@ -19419,7 +19272,7 @@
                     <m:r>
                       <a:rPr lang="en-US" altLang="zh-CN" i="1">
                         <a:solidFill>
-                          <a:srgbClr val="00B0F0"/>
+                          <a:schemeClr val="tx1"/>
                         </a:solidFill>
                         <a:latin typeface="DejaVu Math TeX Gyre" panose="02000503000000000000" charset="0"/>
                         <a:cs typeface="DejaVu Math TeX Gyre" panose="02000503000000000000" charset="0"/>
@@ -19429,7 +19282,7 @@
                     <m:r>
                       <a:rPr lang="en-US" altLang="zh-CN" i="1">
                         <a:solidFill>
-                          <a:srgbClr val="00B0F0"/>
+                          <a:schemeClr val="tx1"/>
                         </a:solidFill>
                         <a:latin typeface="DejaVu Math TeX Gyre" panose="02000503000000000000" charset="0"/>
                         <a:cs typeface="DejaVu Math TeX Gyre" panose="02000503000000000000" charset="0"/>
@@ -19439,7 +19292,7 @@
                     <m:r>
                       <a:rPr lang="en-US" altLang="zh-CN" i="1">
                         <a:solidFill>
-                          <a:srgbClr val="00B0F0"/>
+                          <a:schemeClr val="tx1"/>
                         </a:solidFill>
                         <a:latin typeface="DejaVu Math TeX Gyre" panose="02000503000000000000" charset="0"/>
                         <a:cs typeface="DejaVu Math TeX Gyre" panose="02000503000000000000" charset="0"/>
@@ -19449,7 +19302,7 @@
                     <m:r>
                       <a:rPr lang="en-US" altLang="zh-CN" i="1">
                         <a:solidFill>
-                          <a:srgbClr val="00B0F0"/>
+                          <a:schemeClr val="tx1"/>
                         </a:solidFill>
                         <a:latin typeface="DejaVu Math TeX Gyre" panose="02000503000000000000" charset="0"/>
                         <a:cs typeface="DejaVu Math TeX Gyre" panose="02000503000000000000" charset="0"/>
@@ -19461,7 +19314,7 @@
                         <m:ctrlPr>
                           <a:rPr lang="en-US" altLang="zh-CN">
                             <a:solidFill>
-                              <a:srgbClr val="00B0F0"/>
+                              <a:schemeClr val="tx1"/>
                             </a:solidFill>
                             <a:latin typeface="DejaVu Math TeX Gyre" panose="02000503000000000000" charset="0"/>
                             <a:cs typeface="DejaVu Math TeX Gyre" panose="02000503000000000000" charset="0"/>
@@ -19475,7 +19328,7 @@
                           </m:rPr>
                           <a:rPr lang="en-US" altLang="zh-CN">
                             <a:solidFill>
-                              <a:srgbClr val="00B0F0"/>
+                              <a:schemeClr val="tx1"/>
                             </a:solidFill>
                             <a:latin typeface="DejaVu Math TeX Gyre" panose="02000503000000000000" charset="0"/>
                             <a:cs typeface="DejaVu Math TeX Gyre" panose="02000503000000000000" charset="0"/>
@@ -19490,7 +19343,7 @@
                           </m:rPr>
                           <a:rPr lang="en-US" altLang="zh-CN">
                             <a:solidFill>
-                              <a:srgbClr val="00B0F0"/>
+                              <a:schemeClr val="tx1"/>
                             </a:solidFill>
                             <a:latin typeface="DejaVu Math TeX Gyre" panose="02000503000000000000" charset="0"/>
                             <a:cs typeface="DejaVu Math TeX Gyre" panose="02000503000000000000" charset="0"/>
@@ -19502,7 +19355,7 @@
                     <m:r>
                       <a:rPr lang="en-US" altLang="zh-CN" i="1">
                         <a:solidFill>
-                          <a:srgbClr val="00B0F0"/>
+                          <a:schemeClr val="tx1"/>
                         </a:solidFill>
                         <a:latin typeface="DejaVu Math TeX Gyre" panose="02000503000000000000" charset="0"/>
                         <a:cs typeface="DejaVu Math TeX Gyre" panose="02000503000000000000" charset="0"/>
@@ -19514,7 +19367,7 @@
                 <a:r>
                   <a:rPr lang="zh-CN" altLang="en-US">
                     <a:solidFill>
-                      <a:srgbClr val="00B0F0"/>
+                      <a:schemeClr val="tx1"/>
                     </a:solidFill>
                     <a:latin typeface="DejaVu Math TeX Gyre" panose="02000503000000000000" charset="0"/>
                     <a:cs typeface="DejaVu Math TeX Gyre" panose="02000503000000000000" charset="0"/>
@@ -19523,7 +19376,7 @@
                 </a:r>
                 <a:endParaRPr lang="zh-CN" altLang="en-US">
                   <a:solidFill>
-                    <a:srgbClr val="00B0F0"/>
+                    <a:schemeClr val="tx1"/>
                   </a:solidFill>
                 </a:endParaRPr>
               </a:p>
@@ -19534,14 +19387,14 @@
                 <a:r>
                   <a:rPr lang="zh-CN" altLang="en-US">
                     <a:solidFill>
-                      <a:srgbClr val="00B0F0"/>
+                      <a:schemeClr val="tx1"/>
                     </a:solidFill>
                   </a:rPr>
                   <a:t>那么树剖做法有没有优化的空间？</a:t>
                 </a:r>
                 <a:endParaRPr lang="zh-CN" altLang="en-US">
                   <a:solidFill>
-                    <a:srgbClr val="00B0F0"/>
+                    <a:schemeClr val="tx1"/>
                   </a:solidFill>
                 </a:endParaRPr>
               </a:p>
@@ -19552,7 +19405,7 @@
                 <a:r>
                   <a:rPr lang="zh-CN" altLang="en-US">
                     <a:solidFill>
-                      <a:srgbClr val="00B0F0"/>
+                      <a:schemeClr val="tx1"/>
                     </a:solidFill>
                   </a:rPr>
                   <a:t>有！二分在哪个重链上，然后计算答案，时间复杂度：</a:t>
@@ -19562,7 +19415,7 @@
                     <m:r>
                       <a:rPr lang="en-US" altLang="zh-CN" i="1">
                         <a:solidFill>
-                          <a:srgbClr val="00B0F0"/>
+                          <a:schemeClr val="tx1"/>
                         </a:solidFill>
                         <a:latin typeface="DejaVu Math TeX Gyre" panose="02000503000000000000" charset="0"/>
                         <a:cs typeface="DejaVu Math TeX Gyre" panose="02000503000000000000" charset="0"/>
@@ -19572,7 +19425,7 @@
                     <m:r>
                       <a:rPr lang="en-US" altLang="zh-CN" i="1">
                         <a:solidFill>
-                          <a:srgbClr val="00B0F0"/>
+                          <a:schemeClr val="tx1"/>
                         </a:solidFill>
                         <a:latin typeface="DejaVu Math TeX Gyre" panose="02000503000000000000" charset="0"/>
                         <a:cs typeface="DejaVu Math TeX Gyre" panose="02000503000000000000" charset="0"/>
@@ -19582,7 +19435,7 @@
                     <m:r>
                       <a:rPr lang="en-US" altLang="zh-CN" i="1">
                         <a:solidFill>
-                          <a:srgbClr val="00B0F0"/>
+                          <a:schemeClr val="tx1"/>
                         </a:solidFill>
                         <a:latin typeface="DejaVu Math TeX Gyre" panose="02000503000000000000" charset="0"/>
                         <a:cs typeface="DejaVu Math TeX Gyre" panose="02000503000000000000" charset="0"/>
@@ -19592,27 +19445,17 @@
                     <m:r>
                       <a:rPr lang="en-US" altLang="zh-CN" i="1">
                         <a:solidFill>
-                          <a:srgbClr val="00B0F0"/>
+                          <a:schemeClr val="tx1"/>
                         </a:solidFill>
                         <a:latin typeface="DejaVu Math TeX Gyre" panose="02000503000000000000" charset="0"/>
                         <a:cs typeface="DejaVu Math TeX Gyre" panose="02000503000000000000" charset="0"/>
                       </a:rPr>
-                      <m:t>)</m:t>
+                      <m:t>)−</m:t>
                     </m:r>
                     <m:r>
                       <a:rPr lang="en-US" altLang="zh-CN" i="1">
                         <a:solidFill>
-                          <a:srgbClr val="00B0F0"/>
-                        </a:solidFill>
-                        <a:latin typeface="DejaVu Math TeX Gyre" panose="02000503000000000000" charset="0"/>
-                        <a:cs typeface="DejaVu Math TeX Gyre" panose="02000503000000000000" charset="0"/>
-                      </a:rPr>
-                      <m:t>−</m:t>
-                    </m:r>
-                    <m:r>
-                      <a:rPr lang="en-US" altLang="zh-CN" i="1">
-                        <a:solidFill>
-                          <a:srgbClr val="00B0F0"/>
+                          <a:schemeClr val="tx1"/>
                         </a:solidFill>
                         <a:latin typeface="DejaVu Math TeX Gyre" panose="02000503000000000000" charset="0"/>
                         <a:cs typeface="DejaVu Math TeX Gyre" panose="02000503000000000000" charset="0"/>
@@ -19622,7 +19465,7 @@
                     <m:r>
                       <a:rPr lang="en-US" altLang="zh-CN" i="1">
                         <a:solidFill>
-                          <a:srgbClr val="00B0F0"/>
+                          <a:schemeClr val="tx1"/>
                         </a:solidFill>
                         <a:latin typeface="DejaVu Math TeX Gyre" panose="02000503000000000000" charset="0"/>
                         <a:cs typeface="DejaVu Math TeX Gyre" panose="02000503000000000000" charset="0"/>
@@ -19634,7 +19477,7 @@
                         <m:ctrlPr>
                           <a:rPr lang="en-US" altLang="zh-CN">
                             <a:solidFill>
-                              <a:srgbClr val="00B0F0"/>
+                              <a:schemeClr val="tx1"/>
                             </a:solidFill>
                             <a:latin typeface="DejaVu Math TeX Gyre" panose="02000503000000000000" charset="0"/>
                             <a:cs typeface="DejaVu Math TeX Gyre" panose="02000503000000000000" charset="0"/>
@@ -19648,7 +19491,7 @@
                           </m:rPr>
                           <a:rPr lang="en-US" altLang="zh-CN">
                             <a:solidFill>
-                              <a:srgbClr val="00B0F0"/>
+                              <a:schemeClr val="tx1"/>
                             </a:solidFill>
                             <a:latin typeface="DejaVu Math TeX Gyre" panose="02000503000000000000" charset="0"/>
                             <a:cs typeface="DejaVu Math TeX Gyre" panose="02000503000000000000" charset="0"/>
@@ -19662,7 +19505,7 @@
                             <m:ctrlPr>
                               <a:rPr lang="en-US" altLang="zh-CN">
                                 <a:solidFill>
-                                  <a:srgbClr val="00B0F0"/>
+                                  <a:schemeClr val="tx1"/>
                                 </a:solidFill>
                                 <a:latin typeface="DejaVu Math TeX Gyre" panose="02000503000000000000" charset="0"/>
                                 <a:cs typeface="DejaVu Math TeX Gyre" panose="02000503000000000000" charset="0"/>
@@ -19676,7 +19519,7 @@
                               </m:rPr>
                               <a:rPr lang="en-US" altLang="zh-CN">
                                 <a:solidFill>
-                                  <a:srgbClr val="00B0F0"/>
+                                  <a:schemeClr val="tx1"/>
                                 </a:solidFill>
                                 <a:latin typeface="DejaVu Math TeX Gyre" panose="02000503000000000000" charset="0"/>
                                 <a:cs typeface="DejaVu Math TeX Gyre" panose="02000503000000000000" charset="0"/>
@@ -19688,7 +19531,7 @@
                             <m:r>
                               <a:rPr lang="en-US" altLang="zh-CN" i="1">
                                 <a:solidFill>
-                                  <a:srgbClr val="00B0F0"/>
+                                  <a:schemeClr val="tx1"/>
                                 </a:solidFill>
                                 <a:latin typeface="DejaVu Math TeX Gyre" panose="02000503000000000000" charset="0"/>
                                 <a:cs typeface="DejaVu Math TeX Gyre" panose="02000503000000000000" charset="0"/>
@@ -19702,7 +19545,7 @@
                     <m:r>
                       <a:rPr lang="en-US" altLang="zh-CN" i="1">
                         <a:solidFill>
-                          <a:srgbClr val="00B0F0"/>
+                          <a:schemeClr val="tx1"/>
                         </a:solidFill>
                         <a:latin typeface="DejaVu Math TeX Gyre" panose="02000503000000000000" charset="0"/>
                         <a:cs typeface="DejaVu Math TeX Gyre" panose="02000503000000000000" charset="0"/>
@@ -19714,7 +19557,7 @@
                 <a:r>
                   <a:rPr lang="zh-CN" altLang="en-US">
                     <a:solidFill>
-                      <a:srgbClr val="00B0F0"/>
+                      <a:schemeClr val="tx1"/>
                     </a:solidFill>
                     <a:latin typeface="DejaVu Math TeX Gyre" panose="02000503000000000000" charset="0"/>
                     <a:cs typeface="DejaVu Math TeX Gyre" panose="02000503000000000000" charset="0"/>
@@ -19723,7 +19566,7 @@
                 </a:r>
                 <a:endParaRPr lang="zh-CN" altLang="en-US">
                   <a:solidFill>
-                    <a:srgbClr val="00B0F0"/>
+                    <a:schemeClr val="tx1"/>
                   </a:solidFill>
                 </a:endParaRPr>
               </a:p>
@@ -19734,7 +19577,7 @@
                 <a:r>
                   <a:rPr lang="zh-CN" altLang="en-US">
                     <a:solidFill>
-                      <a:srgbClr val="00B0F0"/>
+                      <a:schemeClr val="tx1"/>
                     </a:solidFill>
                   </a:rPr>
                   <a:t>但是此题查询很多，有没有单次查询</a:t>
@@ -19742,7 +19585,7 @@
                 <a:r>
                   <a:rPr lang="en-US" altLang="zh-CN">
                     <a:solidFill>
-                      <a:srgbClr val="00B0F0"/>
+                      <a:schemeClr val="tx1"/>
                     </a:solidFill>
                   </a:rPr>
                   <a:t> </a:t>
@@ -19752,7 +19595,7 @@
                     <m:r>
                       <a:rPr lang="en-US" altLang="zh-CN" i="1">
                         <a:solidFill>
-                          <a:srgbClr val="00B0F0"/>
+                          <a:schemeClr val="tx1"/>
                         </a:solidFill>
                         <a:latin typeface="DejaVu Math TeX Gyre" panose="02000503000000000000" charset="0"/>
                         <a:cs typeface="DejaVu Math TeX Gyre" panose="02000503000000000000" charset="0"/>
@@ -19762,7 +19605,7 @@
                     <m:r>
                       <a:rPr lang="en-US" altLang="zh-CN" i="1">
                         <a:solidFill>
-                          <a:srgbClr val="00B0F0"/>
+                          <a:schemeClr val="tx1"/>
                         </a:solidFill>
                         <a:latin typeface="DejaVu Math TeX Gyre" panose="02000503000000000000" charset="0"/>
                         <a:cs typeface="DejaVu Math TeX Gyre" panose="02000503000000000000" charset="0"/>
@@ -19772,7 +19615,7 @@
                     <m:r>
                       <a:rPr lang="en-US" altLang="zh-CN" i="1">
                         <a:solidFill>
-                          <a:srgbClr val="00B0F0"/>
+                          <a:schemeClr val="tx1"/>
                         </a:solidFill>
                         <a:latin typeface="DejaVu Math TeX Gyre" panose="02000503000000000000" charset="0"/>
                         <a:cs typeface="DejaVu Math TeX Gyre" panose="02000503000000000000" charset="0"/>
@@ -19782,7 +19625,7 @@
                     <m:r>
                       <a:rPr lang="en-US" altLang="zh-CN" i="1">
                         <a:solidFill>
-                          <a:srgbClr val="00B0F0"/>
+                          <a:schemeClr val="tx1"/>
                         </a:solidFill>
                         <a:latin typeface="DejaVu Math TeX Gyre" panose="02000503000000000000" charset="0"/>
                         <a:cs typeface="DejaVu Math TeX Gyre" panose="02000503000000000000" charset="0"/>
@@ -19794,7 +19637,7 @@
                 <a:r>
                   <a:rPr lang="en-US" altLang="zh-CN">
                     <a:solidFill>
-                      <a:srgbClr val="00B0F0"/>
+                      <a:schemeClr val="tx1"/>
                     </a:solidFill>
                   </a:rPr>
                   <a:t> </a:t>
@@ -19802,14 +19645,14 @@
                 <a:r>
                   <a:rPr lang="zh-CN" altLang="en-US">
                     <a:solidFill>
-                      <a:srgbClr val="00B0F0"/>
+                      <a:schemeClr val="tx1"/>
                     </a:solidFill>
                   </a:rPr>
                   <a:t>的方法呢？</a:t>
                 </a:r>
                 <a:endParaRPr lang="zh-CN" altLang="en-US">
                   <a:solidFill>
-                    <a:srgbClr val="00B0F0"/>
+                    <a:schemeClr val="tx1"/>
                   </a:solidFill>
                 </a:endParaRPr>
               </a:p>
@@ -19820,14 +19663,14 @@
                 <a:r>
                   <a:rPr lang="zh-CN" altLang="en-US">
                     <a:solidFill>
-                      <a:srgbClr val="00B0F0"/>
+                      <a:schemeClr val="tx1"/>
                     </a:solidFill>
                   </a:rPr>
                   <a:t>有！在树链剖分时，我们不再使用重链剖分，而是使用长链剖分。</a:t>
                 </a:r>
                 <a:endParaRPr lang="zh-CN" altLang="en-US">
                   <a:solidFill>
-                    <a:srgbClr val="00B0F0"/>
+                    <a:schemeClr val="tx1"/>
                   </a:solidFill>
                 </a:endParaRPr>
               </a:p>
@@ -19838,14 +19681,14 @@
                 <a:r>
                   <a:rPr lang="zh-CN" altLang="en-US">
                     <a:solidFill>
-                      <a:srgbClr val="00B0F0"/>
+                      <a:schemeClr val="tx1"/>
                     </a:solidFill>
                   </a:rPr>
                   <a:t>那么这有什么好处吗？</a:t>
                 </a:r>
                 <a:endParaRPr lang="zh-CN" altLang="en-US">
                   <a:solidFill>
-                    <a:srgbClr val="00B0F0"/>
+                    <a:schemeClr val="tx1"/>
                   </a:solidFill>
                 </a:endParaRPr>
               </a:p>
@@ -19856,14 +19699,14 @@
                 <a:r>
                   <a:rPr lang="zh-CN" altLang="en-US">
                     <a:solidFill>
-                      <a:srgbClr val="00B0F0"/>
+                      <a:schemeClr val="tx1"/>
                     </a:solidFill>
                   </a:rPr>
                   <a:t>长链剖分有如下性质：</a:t>
                 </a:r>
                 <a:endParaRPr lang="zh-CN" altLang="en-US">
                   <a:solidFill>
-                    <a:srgbClr val="00B0F0"/>
+                    <a:schemeClr val="tx1"/>
                   </a:solidFill>
                 </a:endParaRPr>
               </a:p>
@@ -19874,7 +19717,7 @@
                 <a:r>
                   <a:rPr lang="en-US" altLang="zh-CN">
                     <a:solidFill>
-                      <a:srgbClr val="00B0F0"/>
+                      <a:schemeClr val="tx1"/>
                     </a:solidFill>
                   </a:rPr>
                   <a:t>    1. </a:t>
@@ -19882,7 +19725,7 @@
                 <a:r>
                   <a:rPr lang="zh-CN" altLang="en-US">
                     <a:solidFill>
-                      <a:srgbClr val="00B0F0"/>
+                      <a:schemeClr val="tx1"/>
                     </a:solidFill>
                   </a:rPr>
                   <a:t>从任意节点到根节点最多有</a:t>
@@ -19890,7 +19733,7 @@
                 <a:r>
                   <a:rPr lang="en-US" altLang="zh-CN">
                     <a:solidFill>
-                      <a:srgbClr val="00B0F0"/>
+                      <a:schemeClr val="tx1"/>
                     </a:solidFill>
                   </a:rPr>
                   <a:t> </a:t>
@@ -19903,7 +19746,7 @@
                         <m:ctrlPr>
                           <a:rPr lang="en-US" altLang="zh-CN" i="1">
                             <a:solidFill>
-                              <a:srgbClr val="00B0F0"/>
+                              <a:schemeClr val="tx1"/>
                             </a:solidFill>
                             <a:latin typeface="DejaVu Math TeX Gyre" panose="02000503000000000000" charset="0"/>
                             <a:cs typeface="DejaVu Math TeX Gyre" panose="02000503000000000000" charset="0"/>
@@ -19915,7 +19758,7 @@
                         <m:r>
                           <a:rPr lang="en-US" altLang="zh-CN" i="1">
                             <a:solidFill>
-                              <a:srgbClr val="00B0F0"/>
+                              <a:schemeClr val="tx1"/>
                             </a:solidFill>
                             <a:latin typeface="DejaVu Math TeX Gyre" panose="02000503000000000000" charset="0"/>
                             <a:cs typeface="DejaVu Math TeX Gyre" panose="02000503000000000000" charset="0"/>
@@ -19929,7 +19772,7 @@
                 <a:r>
                   <a:rPr lang="en-US" altLang="zh-CN">
                     <a:solidFill>
-                      <a:srgbClr val="00B0F0"/>
+                      <a:schemeClr val="tx1"/>
                     </a:solidFill>
                   </a:rPr>
                   <a:t> </a:t>
@@ -19937,14 +19780,14 @@
                 <a:r>
                   <a:rPr lang="zh-CN" altLang="en-US">
                     <a:solidFill>
-                      <a:srgbClr val="00B0F0"/>
+                      <a:schemeClr val="tx1"/>
                     </a:solidFill>
                   </a:rPr>
                   <a:t>个长链。</a:t>
                 </a:r>
                 <a:endParaRPr lang="zh-CN" altLang="en-US">
                   <a:solidFill>
-                    <a:srgbClr val="00B0F0"/>
+                    <a:schemeClr val="tx1"/>
                   </a:solidFill>
                 </a:endParaRPr>
               </a:p>
@@ -19955,7 +19798,7 @@
                 <a:r>
                   <a:rPr lang="en-US" altLang="zh-CN">
                     <a:solidFill>
-                      <a:srgbClr val="00B0F0"/>
+                      <a:schemeClr val="tx1"/>
                     </a:solidFill>
                   </a:rPr>
                   <a:t>    2. </a:t>
@@ -19963,7 +19806,7 @@
                 <a:r>
                   <a:rPr lang="zh-CN" altLang="en-US">
                     <a:solidFill>
-                      <a:srgbClr val="00B0F0"/>
+                      <a:schemeClr val="tx1"/>
                     </a:solidFill>
                   </a:rPr>
                   <a:t>任意节点的</a:t>
@@ -19971,7 +19814,7 @@
                 <a:r>
                   <a:rPr lang="en-US" altLang="zh-CN">
                     <a:solidFill>
-                      <a:srgbClr val="00B0F0"/>
+                      <a:schemeClr val="tx1"/>
                     </a:solidFill>
                   </a:rPr>
                   <a:t> k </a:t>
@@ -19979,7 +19822,7 @@
                 <a:r>
                   <a:rPr lang="zh-CN" altLang="en-US">
                     <a:solidFill>
-                      <a:srgbClr val="00B0F0"/>
+                      <a:schemeClr val="tx1"/>
                     </a:solidFill>
                   </a:rPr>
                   <a:t>级祖先所在的链的长度一定大于</a:t>
@@ -19987,7 +19830,7 @@
                 <a:r>
                   <a:rPr lang="en-US" altLang="zh-CN">
                     <a:solidFill>
-                      <a:srgbClr val="00B0F0"/>
+                      <a:schemeClr val="tx1"/>
                     </a:solidFill>
                   </a:rPr>
                   <a:t> k</a:t>
@@ -19995,14 +19838,14 @@
                 <a:r>
                   <a:rPr lang="zh-CN" altLang="en-US">
                     <a:solidFill>
-                      <a:srgbClr val="00B0F0"/>
+                      <a:schemeClr val="tx1"/>
                     </a:solidFill>
                   </a:rPr>
                   <a:t>。</a:t>
                 </a:r>
                 <a:endParaRPr lang="zh-CN" altLang="en-US">
                   <a:solidFill>
-                    <a:srgbClr val="00B0F0"/>
+                    <a:schemeClr val="tx1"/>
                   </a:solidFill>
                 </a:endParaRPr>
               </a:p>
@@ -20013,7 +19856,7 @@
                 <a:r>
                   <a:rPr lang="zh-CN" altLang="en-US">
                     <a:solidFill>
-                      <a:srgbClr val="00B0F0"/>
+                      <a:schemeClr val="tx1"/>
                     </a:solidFill>
                     <a:sym typeface="+mn-ea"/>
                   </a:rPr>
@@ -20022,7 +19865,7 @@
                 <a:r>
                   <a:rPr lang="en-US" altLang="zh-CN">
                     <a:solidFill>
-                      <a:srgbClr val="00B0F0"/>
+                      <a:schemeClr val="tx1"/>
                     </a:solidFill>
                     <a:sym typeface="+mn-ea"/>
                   </a:rPr>
@@ -20035,7 +19878,7 @@
                         <m:ctrlPr>
                           <a:rPr lang="en-US" altLang="zh-CN" i="1">
                             <a:solidFill>
-                              <a:srgbClr val="00B0F0"/>
+                              <a:schemeClr val="tx1"/>
                             </a:solidFill>
                             <a:latin typeface="DejaVu Math TeX Gyre" panose="02000503000000000000" charset="0"/>
                             <a:cs typeface="DejaVu Math TeX Gyre" panose="02000503000000000000" charset="0"/>
@@ -20046,7 +19889,7 @@
                         <m:r>
                           <a:rPr lang="en-US" altLang="zh-CN" i="1">
                             <a:solidFill>
-                              <a:srgbClr val="00B0F0"/>
+                              <a:schemeClr val="tx1"/>
                             </a:solidFill>
                             <a:latin typeface="DejaVu Math TeX Gyre" panose="02000503000000000000" charset="0"/>
                             <a:cs typeface="DejaVu Math TeX Gyre" panose="02000503000000000000" charset="0"/>
@@ -20058,7 +19901,7 @@
                         <m:r>
                           <a:rPr lang="en-US" altLang="zh-CN" i="1">
                             <a:solidFill>
-                              <a:srgbClr val="00B0F0"/>
+                              <a:schemeClr val="tx1"/>
                             </a:solidFill>
                             <a:latin typeface="DejaVu Math TeX Gyre" panose="02000503000000000000" charset="0"/>
                             <a:cs typeface="DejaVu Math TeX Gyre" panose="02000503000000000000" charset="0"/>
@@ -20072,7 +19915,7 @@
                 <a:r>
                   <a:rPr lang="en-US" altLang="zh-CN">
                     <a:solidFill>
-                      <a:srgbClr val="00B0F0"/>
+                      <a:schemeClr val="tx1"/>
                     </a:solidFill>
                     <a:sym typeface="+mn-ea"/>
                   </a:rPr>
@@ -20081,7 +19924,7 @@
                 <a:r>
                   <a:rPr lang="zh-CN" altLang="en-US">
                     <a:solidFill>
-                      <a:srgbClr val="00B0F0"/>
+                      <a:schemeClr val="tx1"/>
                     </a:solidFill>
                     <a:sym typeface="+mn-ea"/>
                   </a:rPr>
@@ -20090,7 +19933,7 @@
                 <a:r>
                   <a:rPr lang="en-US" altLang="zh-CN">
                     <a:solidFill>
-                      <a:srgbClr val="00B0F0"/>
+                      <a:schemeClr val="tx1"/>
                     </a:solidFill>
                     <a:sym typeface="+mn-ea"/>
                   </a:rPr>
@@ -20099,7 +19942,7 @@
                 <a:r>
                   <a:rPr lang="zh-CN" altLang="en-US">
                     <a:solidFill>
-                      <a:srgbClr val="00B0F0"/>
+                      <a:schemeClr val="tx1"/>
                     </a:solidFill>
                     <a:sym typeface="+mn-ea"/>
                   </a:rPr>
@@ -20108,7 +19951,7 @@
                 <a:r>
                   <a:rPr lang="en-US" altLang="zh-CN">
                     <a:solidFill>
-                      <a:srgbClr val="00B0F0"/>
+                      <a:schemeClr val="tx1"/>
                     </a:solidFill>
                     <a:sym typeface="+mn-ea"/>
                   </a:rPr>
@@ -20121,7 +19964,7 @@
                         <m:ctrlPr>
                           <a:rPr lang="en-US" altLang="zh-CN" i="1">
                             <a:solidFill>
-                              <a:srgbClr val="00B0F0"/>
+                              <a:schemeClr val="tx1"/>
                             </a:solidFill>
                             <a:latin typeface="DejaVu Math TeX Gyre" panose="02000503000000000000" charset="0"/>
                             <a:cs typeface="DejaVu Math TeX Gyre" panose="02000503000000000000" charset="0"/>
@@ -20132,7 +19975,7 @@
                         <m:r>
                           <a:rPr lang="en-US" altLang="zh-CN" i="1">
                             <a:solidFill>
-                              <a:srgbClr val="00B0F0"/>
+                              <a:schemeClr val="tx1"/>
                             </a:solidFill>
                             <a:latin typeface="DejaVu Math TeX Gyre" panose="02000503000000000000" charset="0"/>
                             <a:cs typeface="DejaVu Math TeX Gyre" panose="02000503000000000000" charset="0"/>
@@ -20144,7 +19987,7 @@
                         <m:r>
                           <a:rPr lang="en-US" altLang="zh-CN" i="1">
                             <a:solidFill>
-                              <a:srgbClr val="00B0F0"/>
+                              <a:schemeClr val="tx1"/>
                             </a:solidFill>
                             <a:latin typeface="DejaVu Math TeX Gyre" panose="02000503000000000000" charset="0"/>
                             <a:cs typeface="DejaVu Math TeX Gyre" panose="02000503000000000000" charset="0"/>
@@ -20156,7 +19999,7 @@
                     <m:r>
                       <a:rPr lang="en-US" altLang="zh-CN" i="1">
                         <a:solidFill>
-                          <a:srgbClr val="00B0F0"/>
+                          <a:schemeClr val="tx1"/>
                         </a:solidFill>
                         <a:latin typeface="DejaVu Math TeX Gyre" panose="02000503000000000000" charset="0"/>
                         <a:cs typeface="DejaVu Math TeX Gyre" panose="02000503000000000000" charset="0"/>
@@ -20166,7 +20009,7 @@
                     <m:r>
                       <a:rPr lang="en-US" altLang="zh-CN" i="1">
                         <a:solidFill>
-                          <a:srgbClr val="00B0F0"/>
+                          <a:schemeClr val="tx1"/>
                         </a:solidFill>
                         <a:latin typeface="DejaVu Math TeX Gyre" panose="02000503000000000000" charset="0"/>
                         <a:cs typeface="DejaVu Math TeX Gyre" panose="02000503000000000000" charset="0"/>
@@ -20176,7 +20019,7 @@
                     <m:r>
                       <a:rPr lang="en-US" altLang="zh-CN" i="1">
                         <a:solidFill>
-                          <a:srgbClr val="00B0F0"/>
+                          <a:schemeClr val="tx1"/>
                         </a:solidFill>
                         <a:latin typeface="DejaVu Math TeX Gyre" panose="02000503000000000000" charset="0"/>
                         <a:cs typeface="DejaVu Math TeX Gyre" panose="02000503000000000000" charset="0"/>
@@ -20188,7 +20031,7 @@
                         <m:ctrlPr>
                           <a:rPr lang="en-US" altLang="zh-CN" i="1">
                             <a:solidFill>
-                              <a:srgbClr val="00B0F0"/>
+                              <a:schemeClr val="tx1"/>
                             </a:solidFill>
                             <a:latin typeface="DejaVu Math TeX Gyre" panose="02000503000000000000" charset="0"/>
                             <a:cs typeface="DejaVu Math TeX Gyre" panose="02000503000000000000" charset="0"/>
@@ -20199,7 +20042,7 @@
                         <m:r>
                           <a:rPr lang="en-US" altLang="zh-CN" i="1">
                             <a:solidFill>
-                              <a:srgbClr val="00B0F0"/>
+                              <a:schemeClr val="tx1"/>
                             </a:solidFill>
                             <a:latin typeface="DejaVu Math TeX Gyre" panose="02000503000000000000" charset="0"/>
                             <a:cs typeface="DejaVu Math TeX Gyre" panose="02000503000000000000" charset="0"/>
@@ -20211,7 +20054,7 @@
                         <m:r>
                           <a:rPr lang="en-US" altLang="zh-CN" i="1">
                             <a:solidFill>
-                              <a:srgbClr val="00B0F0"/>
+                              <a:schemeClr val="tx1"/>
                             </a:solidFill>
                             <a:latin typeface="DejaVu Math TeX Gyre" panose="02000503000000000000" charset="0"/>
                             <a:cs typeface="DejaVu Math TeX Gyre" panose="02000503000000000000" charset="0"/>
@@ -20221,7 +20064,7 @@
                         <m:r>
                           <a:rPr lang="en-US" altLang="zh-CN" i="1">
                             <a:solidFill>
-                              <a:srgbClr val="00B0F0"/>
+                              <a:schemeClr val="tx1"/>
                             </a:solidFill>
                             <a:latin typeface="DejaVu Math TeX Gyre" panose="02000503000000000000" charset="0"/>
                             <a:cs typeface="DejaVu Math TeX Gyre" panose="02000503000000000000" charset="0"/>
@@ -20231,7 +20074,7 @@
                         <m:r>
                           <a:rPr lang="en-US" altLang="zh-CN" i="1">
                             <a:solidFill>
-                              <a:srgbClr val="00B0F0"/>
+                              <a:schemeClr val="tx1"/>
                             </a:solidFill>
                             <a:latin typeface="DejaVu Math TeX Gyre" panose="02000503000000000000" charset="0"/>
                             <a:cs typeface="DejaVu Math TeX Gyre" panose="02000503000000000000" charset="0"/>
@@ -20245,7 +20088,7 @@
                 <a:r>
                   <a:rPr lang="zh-CN" altLang="en-US">
                     <a:solidFill>
-                      <a:srgbClr val="00B0F0"/>
+                      <a:schemeClr val="tx1"/>
                     </a:solidFill>
                     <a:latin typeface="DejaVu Math TeX Gyre" panose="02000503000000000000" charset="0"/>
                     <a:cs typeface="DejaVu Math TeX Gyre" panose="02000503000000000000" charset="0"/>
@@ -20256,7 +20099,7 @@
                 <a:r>
                   <a:rPr lang="en-US" altLang="zh-CN">
                     <a:solidFill>
-                      <a:srgbClr val="00B0F0"/>
+                      <a:schemeClr val="tx1"/>
                     </a:solidFill>
                     <a:latin typeface="DejaVu Math TeX Gyre" panose="02000503000000000000" charset="0"/>
                     <a:cs typeface="DejaVu Math TeX Gyre" panose="02000503000000000000" charset="0"/>
@@ -20271,7 +20114,7 @@
                         <m:ctrlPr>
                           <a:rPr lang="en-US" altLang="zh-CN" i="1">
                             <a:solidFill>
-                              <a:srgbClr val="00B0F0"/>
+                              <a:schemeClr val="tx1"/>
                             </a:solidFill>
                             <a:latin typeface="DejaVu Math TeX Gyre" panose="02000503000000000000" charset="0"/>
                             <a:cs typeface="DejaVu Math TeX Gyre" panose="02000503000000000000" charset="0"/>
@@ -20282,7 +20125,7 @@
                         <m:r>
                           <a:rPr lang="en-US" altLang="zh-CN" i="1">
                             <a:solidFill>
-                              <a:srgbClr val="00B0F0"/>
+                              <a:schemeClr val="tx1"/>
                             </a:solidFill>
                             <a:latin typeface="DejaVu Math TeX Gyre" panose="02000503000000000000" charset="0"/>
                             <a:cs typeface="DejaVu Math TeX Gyre" panose="02000503000000000000" charset="0"/>
@@ -20294,7 +20137,7 @@
                         <m:r>
                           <a:rPr lang="en-US" altLang="zh-CN" i="1">
                             <a:solidFill>
-                              <a:srgbClr val="00B0F0"/>
+                              <a:schemeClr val="tx1"/>
                             </a:solidFill>
                             <a:latin typeface="DejaVu Math TeX Gyre" panose="02000503000000000000" charset="0"/>
                             <a:cs typeface="DejaVu Math TeX Gyre" panose="02000503000000000000" charset="0"/>
@@ -20308,7 +20151,7 @@
                 <a:r>
                   <a:rPr lang="en-US" altLang="zh-CN">
                     <a:solidFill>
-                      <a:srgbClr val="00B0F0"/>
+                      <a:schemeClr val="tx1"/>
                     </a:solidFill>
                     <a:sym typeface="+mn-ea"/>
                   </a:rPr>
@@ -20317,7 +20160,7 @@
                 <a:r>
                   <a:rPr lang="zh-CN" altLang="en-US">
                     <a:solidFill>
-                      <a:srgbClr val="00B0F0"/>
+                      <a:schemeClr val="tx1"/>
                     </a:solidFill>
                     <a:sym typeface="+mn-ea"/>
                   </a:rPr>
@@ -20326,7 +20169,7 @@
                 <a:r>
                   <a:rPr lang="en-US" altLang="zh-CN">
                     <a:solidFill>
-                      <a:srgbClr val="00B0F0"/>
+                      <a:schemeClr val="tx1"/>
                     </a:solidFill>
                     <a:sym typeface="+mn-ea"/>
                   </a:rPr>
@@ -20337,7 +20180,7 @@
                     <m:r>
                       <a:rPr lang="en-US" altLang="zh-CN" i="1">
                         <a:solidFill>
-                          <a:srgbClr val="00B0F0"/>
+                          <a:schemeClr val="tx1"/>
                         </a:solidFill>
                         <a:latin typeface="DejaVu Math TeX Gyre" panose="02000503000000000000" charset="0"/>
                         <a:cs typeface="DejaVu Math TeX Gyre" panose="02000503000000000000" charset="0"/>
@@ -20348,7 +20191,7 @@
                     <m:r>
                       <a:rPr lang="en-US" altLang="zh-CN" i="1">
                         <a:solidFill>
-                          <a:srgbClr val="00B0F0"/>
+                          <a:schemeClr val="tx1"/>
                         </a:solidFill>
                         <a:latin typeface="DejaVu Math TeX Gyre" panose="02000503000000000000" charset="0"/>
                         <a:cs typeface="DejaVu Math TeX Gyre" panose="02000503000000000000" charset="0"/>
@@ -20361,7 +20204,7 @@
                         <m:ctrlPr>
                           <a:rPr lang="en-US" altLang="zh-CN" i="1">
                             <a:solidFill>
-                              <a:srgbClr val="00B0F0"/>
+                              <a:schemeClr val="tx1"/>
                             </a:solidFill>
                             <a:latin typeface="DejaVu Math TeX Gyre" panose="02000503000000000000" charset="0"/>
                             <a:cs typeface="DejaVu Math TeX Gyre" panose="02000503000000000000" charset="0"/>
@@ -20373,7 +20216,7 @@
                         <m:r>
                           <a:rPr lang="en-US" altLang="zh-CN" i="1">
                             <a:solidFill>
-                              <a:srgbClr val="00B0F0"/>
+                              <a:schemeClr val="tx1"/>
                             </a:solidFill>
                             <a:latin typeface="DejaVu Math TeX Gyre" panose="02000503000000000000" charset="0"/>
                             <a:cs typeface="DejaVu Math TeX Gyre" panose="02000503000000000000" charset="0"/>
@@ -20386,7 +20229,7 @@
                         <m:r>
                           <a:rPr lang="en-US" altLang="zh-CN" i="1">
                             <a:solidFill>
-                              <a:srgbClr val="00B0F0"/>
+                              <a:schemeClr val="tx1"/>
                             </a:solidFill>
                             <a:latin typeface="DejaVu Math TeX Gyre" panose="02000503000000000000" charset="0"/>
                             <a:cs typeface="DejaVu Math TeX Gyre" panose="02000503000000000000" charset="0"/>
@@ -20401,7 +20244,7 @@
                 <a:r>
                   <a:rPr lang="en-US" altLang="zh-CN">
                     <a:solidFill>
-                      <a:srgbClr val="00B0F0"/>
+                      <a:schemeClr val="tx1"/>
                     </a:solidFill>
                     <a:sym typeface="+mn-ea"/>
                   </a:rPr>
@@ -20410,7 +20253,7 @@
                 <a:r>
                   <a:rPr lang="zh-CN" altLang="en-US">
                     <a:solidFill>
-                      <a:srgbClr val="00B0F0"/>
+                      <a:schemeClr val="tx1"/>
                     </a:solidFill>
                     <a:sym typeface="+mn-ea"/>
                   </a:rPr>
@@ -20418,7 +20261,7 @@
                 </a:r>
                 <a:endParaRPr lang="zh-CN" altLang="en-US">
                   <a:solidFill>
-                    <a:srgbClr val="00B0F0"/>
+                    <a:schemeClr val="tx1"/>
                   </a:solidFill>
                 </a:endParaRPr>
               </a:p>
@@ -20428,7 +20271,7 @@
                 </a:pPr>
                 <a:endParaRPr lang="zh-CN" altLang="en-US">
                   <a:solidFill>
-                    <a:srgbClr val="00B0F0"/>
+                    <a:schemeClr val="tx1"/>
                   </a:solidFill>
                 </a:endParaRPr>
               </a:p>
@@ -20448,9 +20291,9 @@
             </p:nvSpPr>
             <p:spPr>
               <a:blipFill rotWithShape="1">
-                <a:blip r:embed="rId3"/>
+                <a:blip r:embed="rId2"/>
                 <a:stretch>
-                  <a:fillRect t="-525" b="7"/>
+                  <a:fillRect b="7"/>
                 </a:stretch>
               </a:blipFill>
             </p:spPr>
@@ -21608,17 +21451,6 @@
 <file path=ppt/slides/slide8.xml><?xml version="1.0" encoding="utf-8"?>
 <p:sld xmlns:a="http://schemas.openxmlformats.org/drawingml/2006/main" xmlns:r="http://schemas.openxmlformats.org/officeDocument/2006/relationships" xmlns:p="http://schemas.openxmlformats.org/presentationml/2006/main">
   <p:cSld>
-    <p:bg>
-      <p:bgPr>
-        <a:blipFill rotWithShape="1">
-          <a:blip r:embed="rId1"/>
-          <a:stretch>
-            <a:fillRect/>
-          </a:stretch>
-        </a:blipFill>
-        <a:effectLst/>
-      </p:bgPr>
-    </p:bg>
     <p:spTree>
       <p:nvGrpSpPr>
         <p:cNvPr id="1" name=""/>
@@ -21642,7 +21474,7 @@
           <a:p>
             <a:r>
               <a:rPr lang="zh-CN" altLang="en-US">
-                <a:hlinkClick r:id="rId2" tooltip="" action="ppaction://hlinkfile"/>
+                <a:hlinkClick r:id="rId1" action="ppaction://hlinkfile"/>
               </a:rPr>
               <a:t>P3286 方伯伯的商场之旅</a:t>
             </a:r>
@@ -21670,7 +21502,7 @@
             <a:r>
               <a:rPr lang="en-US" altLang="zh-CN">
                 <a:solidFill>
-                  <a:srgbClr val="00B0F0"/>
+                  <a:schemeClr val="tx1"/>
                 </a:solidFill>
               </a:rPr>
               <a:t>Hint1</a:t>
@@ -21678,14 +21510,14 @@
             <a:r>
               <a:rPr lang="zh-CN" altLang="en-US">
                 <a:solidFill>
-                  <a:srgbClr val="00B0F0"/>
+                  <a:schemeClr val="tx1"/>
                 </a:solidFill>
               </a:rPr>
               <a:t>：单个数如何计算石子最终放在哪个位置？</a:t>
             </a:r>
             <a:endParaRPr lang="zh-CN" altLang="en-US">
               <a:solidFill>
-                <a:srgbClr val="00B0F0"/>
+                <a:schemeClr val="tx1"/>
               </a:solidFill>
             </a:endParaRPr>
           </a:p>
@@ -21696,7 +21528,7 @@
             <a:r>
               <a:rPr lang="en-US" altLang="zh-CN">
                 <a:solidFill>
-                  <a:srgbClr val="00B0F0"/>
+                  <a:schemeClr val="tx1"/>
                 </a:solidFill>
               </a:rPr>
               <a:t>Hint2</a:t>
@@ -21704,14 +21536,14 @@
             <a:r>
               <a:rPr lang="zh-CN" altLang="en-US">
                 <a:solidFill>
-                  <a:srgbClr val="00B0F0"/>
+                  <a:schemeClr val="tx1"/>
                 </a:solidFill>
               </a:rPr>
               <a:t>：如何快速计算多个数的答案？</a:t>
             </a:r>
             <a:endParaRPr lang="zh-CN" altLang="en-US">
               <a:solidFill>
-                <a:srgbClr val="00B0F0"/>
+                <a:schemeClr val="tx1"/>
               </a:solidFill>
             </a:endParaRPr>
           </a:p>
@@ -21721,7 +21553,7 @@
             </a:pPr>
             <a:endParaRPr lang="zh-CN" altLang="en-US">
               <a:solidFill>
-                <a:srgbClr val="00B0F0"/>
+                <a:schemeClr val="tx1"/>
               </a:solidFill>
               <a:latin typeface="DejaVu Math TeX Gyre" panose="02000503000000000000" charset="0"/>
               <a:cs typeface="DejaVu Math TeX Gyre" panose="02000503000000000000" charset="0"/>
@@ -21734,7 +21566,7 @@
             <a:r>
               <a:rPr lang="zh-CN" altLang="en-US">
                 <a:solidFill>
-                  <a:srgbClr val="00B0F0"/>
+                  <a:schemeClr val="tx1"/>
                 </a:solidFill>
                 <a:latin typeface="DejaVu Math TeX Gyre" panose="02000503000000000000" charset="0"/>
                 <a:cs typeface="DejaVu Math TeX Gyre" panose="02000503000000000000" charset="0"/>
@@ -21743,7 +21575,7 @@
             </a:r>
             <a:endParaRPr lang="zh-CN" altLang="en-US">
               <a:solidFill>
-                <a:srgbClr val="00B0F0"/>
+                <a:schemeClr val="tx1"/>
               </a:solidFill>
               <a:latin typeface="DejaVu Math TeX Gyre" panose="02000503000000000000" charset="0"/>
               <a:cs typeface="DejaVu Math TeX Gyre" panose="02000503000000000000" charset="0"/>
@@ -21756,7 +21588,7 @@
             <a:r>
               <a:rPr lang="zh-CN" altLang="en-US">
                 <a:solidFill>
-                  <a:srgbClr val="00B0F0"/>
+                  <a:schemeClr val="tx1"/>
                 </a:solidFill>
                 <a:latin typeface="DejaVu Math TeX Gyre" panose="02000503000000000000" charset="0"/>
                 <a:cs typeface="DejaVu Math TeX Gyre" panose="02000503000000000000" charset="0"/>
@@ -21765,7 +21597,7 @@
             </a:r>
             <a:endParaRPr lang="zh-CN" altLang="en-US">
               <a:solidFill>
-                <a:srgbClr val="00B0F0"/>
+                <a:schemeClr val="tx1"/>
               </a:solidFill>
               <a:latin typeface="DejaVu Math TeX Gyre" panose="02000503000000000000" charset="0"/>
               <a:cs typeface="DejaVu Math TeX Gyre" panose="02000503000000000000" charset="0"/>
@@ -22388,17 +22220,6 @@
 <file path=ppt/slides/slide9.xml><?xml version="1.0" encoding="utf-8"?>
 <p:sld xmlns:a="http://schemas.openxmlformats.org/drawingml/2006/main" xmlns:r="http://schemas.openxmlformats.org/officeDocument/2006/relationships" xmlns:p="http://schemas.openxmlformats.org/presentationml/2006/main">
   <p:cSld>
-    <p:bg>
-      <p:bgPr>
-        <a:blipFill rotWithShape="1">
-          <a:blip r:embed="rId1"/>
-          <a:stretch>
-            <a:fillRect/>
-          </a:stretch>
-        </a:blipFill>
-        <a:effectLst/>
-      </p:bgPr>
-    </p:bg>
     <p:spTree>
       <p:nvGrpSpPr>
         <p:cNvPr id="1" name=""/>
@@ -22422,7 +22243,7 @@
           <a:p>
             <a:r>
               <a:rPr lang="zh-CN" altLang="en-US">
-                <a:hlinkClick r:id="rId2" action="ppaction://hlinkfile"/>
+                <a:hlinkClick r:id="rId1" action="ppaction://hlinkfile"/>
               </a:rPr>
               <a:t>P3413 萌数</a:t>
             </a:r>
@@ -22450,7 +22271,7 @@
             <a:r>
               <a:rPr lang="en-US" altLang="zh-CN">
                 <a:solidFill>
-                  <a:srgbClr val="00B0F0"/>
+                  <a:schemeClr val="tx1"/>
                 </a:solidFill>
               </a:rPr>
               <a:t>Hint1</a:t>
@@ -22458,14 +22279,14 @@
             <a:r>
               <a:rPr lang="zh-CN" altLang="en-US">
                 <a:solidFill>
-                  <a:srgbClr val="00B0F0"/>
+                  <a:schemeClr val="tx1"/>
                 </a:solidFill>
               </a:rPr>
               <a:t>：回文串的长度可能是多少？</a:t>
             </a:r>
             <a:endParaRPr lang="zh-CN" altLang="en-US">
               <a:solidFill>
-                <a:srgbClr val="00B0F0"/>
+                <a:schemeClr val="tx1"/>
               </a:solidFill>
             </a:endParaRPr>
           </a:p>
@@ -22475,7 +22296,7 @@
             </a:pPr>
             <a:endParaRPr lang="zh-CN" altLang="en-US">
               <a:solidFill>
-                <a:srgbClr val="00B0F0"/>
+                <a:schemeClr val="tx1"/>
               </a:solidFill>
             </a:endParaRPr>
           </a:p>
@@ -22486,7 +22307,7 @@
             <a:r>
               <a:rPr lang="zh-CN" altLang="en-US">
                 <a:solidFill>
-                  <a:srgbClr val="00B0F0"/>
+                  <a:schemeClr val="tx1"/>
                 </a:solidFill>
               </a:rPr>
               <a:t>回文串的长度只有可能是</a:t>
@@ -22494,7 +22315,7 @@
             <a:r>
               <a:rPr lang="en-US" altLang="zh-CN">
                 <a:solidFill>
-                  <a:srgbClr val="00B0F0"/>
+                  <a:schemeClr val="tx1"/>
                 </a:solidFill>
               </a:rPr>
               <a:t> 2 </a:t>
@@ -22502,7 +22323,7 @@
             <a:r>
               <a:rPr lang="zh-CN" altLang="en-US">
                 <a:solidFill>
-                  <a:srgbClr val="00B0F0"/>
+                  <a:schemeClr val="tx1"/>
                 </a:solidFill>
               </a:rPr>
               <a:t>或</a:t>
@@ -22510,7 +22331,7 @@
             <a:r>
               <a:rPr lang="en-US" altLang="zh-CN">
                 <a:solidFill>
-                  <a:srgbClr val="00B0F0"/>
+                  <a:schemeClr val="tx1"/>
                 </a:solidFill>
               </a:rPr>
               <a:t> 3</a:t>
@@ -22518,14 +22339,14 @@
             <a:r>
               <a:rPr lang="zh-CN" altLang="en-US">
                 <a:solidFill>
-                  <a:srgbClr val="00B0F0"/>
+                  <a:schemeClr val="tx1"/>
                 </a:solidFill>
               </a:rPr>
               <a:t>，记忆化搜索时记录前两位和是否为前导零部分即可。</a:t>
             </a:r>
             <a:endParaRPr lang="zh-CN" altLang="en-US">
               <a:solidFill>
-                <a:srgbClr val="00B0F0"/>
+                <a:schemeClr val="tx1"/>
               </a:solidFill>
             </a:endParaRPr>
           </a:p>

--- a/2025上自主学习/Tree&DP-wjh.pptx
+++ b/2025上自主学习/Tree&DP-wjh.pptx
@@ -6334,7 +6334,7 @@
             <a:r>
               <a:rPr lang="zh-CN" altLang="en-US">
                 <a:solidFill>
-                  <a:schemeClr val="tx1"/>
+                  <a:schemeClr val="bg1"/>
                 </a:solidFill>
               </a:rPr>
               <a:t>树上问题</a:t>
@@ -6342,14 +6342,14 @@
             <a:r>
               <a:rPr lang="en-US" altLang="zh-CN">
                 <a:solidFill>
-                  <a:schemeClr val="tx1"/>
+                  <a:schemeClr val="bg1"/>
                 </a:solidFill>
               </a:rPr>
               <a:t> &amp; DP</a:t>
             </a:r>
             <a:endParaRPr lang="en-US" altLang="zh-CN">
               <a:solidFill>
-                <a:schemeClr val="tx1"/>
+                <a:schemeClr val="bg1"/>
               </a:solidFill>
             </a:endParaRPr>
           </a:p>

--- a/2025上自主学习/Tree&DP-wjh.pptx
+++ b/2025上自主学习/Tree&DP-wjh.pptx
@@ -6334,7 +6334,7 @@
             <a:r>
               <a:rPr lang="zh-CN" altLang="en-US">
                 <a:solidFill>
-                  <a:schemeClr val="bg1"/>
+                  <a:schemeClr val="tx1"/>
                 </a:solidFill>
               </a:rPr>
               <a:t>树上问题</a:t>
@@ -6342,14 +6342,14 @@
             <a:r>
               <a:rPr lang="en-US" altLang="zh-CN">
                 <a:solidFill>
-                  <a:schemeClr val="bg1"/>
+                  <a:schemeClr val="tx1"/>
                 </a:solidFill>
               </a:rPr>
               <a:t> &amp; DP</a:t>
             </a:r>
             <a:endParaRPr lang="en-US" altLang="zh-CN">
               <a:solidFill>
-                <a:schemeClr val="bg1"/>
+                <a:schemeClr val="tx1"/>
               </a:solidFill>
             </a:endParaRPr>
           </a:p>
